--- a/CPP Project Final Presentation/Text-To-Sql HPE_CPP_Presentation.pptx
+++ b/CPP Project Final Presentation/Text-To-Sql HPE_CPP_Presentation.pptx
@@ -5,10 +5,10 @@
     <p:sldMasterId id="2147483648" r:id="rId1"/>
   </p:sldMasterIdLst>
   <p:notesMasterIdLst>
-    <p:notesMasterId r:id="rId15"/>
+    <p:notesMasterId r:id="rId16"/>
   </p:notesMasterIdLst>
   <p:handoutMasterIdLst>
-    <p:handoutMasterId r:id="rId16"/>
+    <p:handoutMasterId r:id="rId17"/>
   </p:handoutMasterIdLst>
   <p:sldIdLst>
     <p:sldId id="289" r:id="rId2"/>
@@ -21,28 +21,27 @@
     <p:sldId id="303" r:id="rId9"/>
     <p:sldId id="306" r:id="rId10"/>
     <p:sldId id="305" r:id="rId11"/>
-    <p:sldId id="299" r:id="rId12"/>
-    <p:sldId id="300" r:id="rId13"/>
-    <p:sldId id="304" r:id="rId14"/>
+    <p:sldId id="316" r:id="rId12"/>
+    <p:sldId id="299" r:id="rId13"/>
+    <p:sldId id="300" r:id="rId14"/>
+    <p:sldId id="304" r:id="rId15"/>
   </p:sldIdLst>
   <p:sldSz cx="12192000" cy="6858000"/>
   <p:notesSz cx="6858000" cy="9144000"/>
   <p:embeddedFontLst>
     <p:embeddedFont>
       <p:font typeface="MetricHPE" panose="020B0604020202020204" charset="0"/>
-      <p:regular r:id="rId17"/>
-      <p:bold r:id="rId18"/>
-      <p:italic r:id="rId19"/>
+      <p:regular r:id="rId18"/>
+      <p:bold r:id="rId19"/>
       <p:boldItalic r:id="rId20"/>
     </p:embeddedFont>
     <p:embeddedFont>
       <p:font typeface="MetricHPE Black" panose="020B0604020202020204" charset="0"/>
       <p:bold r:id="rId21"/>
-      <p:boldItalic r:id="rId22"/>
     </p:embeddedFont>
   </p:embeddedFontLst>
   <p:custDataLst>
-    <p:tags r:id="rId23"/>
+    <p:tags r:id="rId22"/>
   </p:custDataLst>
   <p:defaultTextStyle>
     <a:defPPr>
@@ -142,17 +141,17 @@
   <p:extLst>
     <p:ext uri="{EFAFB233-063F-42B5-8137-9DF3F51BA10A}">
       <p15:sldGuideLst xmlns:p15="http://schemas.microsoft.com/office/powerpoint/2012/main">
-        <p15:guide id="1" orient="horz" pos="2233" userDrawn="1">
+        <p15:guide id="1" orient="horz" pos="2245" userDrawn="1">
           <p15:clr>
             <a:srgbClr val="A4A3A4"/>
           </p15:clr>
         </p15:guide>
-        <p15:guide id="4" orient="horz" pos="3840" userDrawn="1">
+        <p15:guide id="4" orient="horz" pos="3844" userDrawn="1">
           <p15:clr>
             <a:srgbClr val="A4A3A4"/>
           </p15:clr>
         </p15:guide>
-        <p15:guide id="5" pos="3780" userDrawn="1">
+        <p15:guide id="5" pos="3843" userDrawn="1">
           <p15:clr>
             <a:srgbClr val="A4A3A4"/>
           </p15:clr>
@@ -176,12 +175,12 @@
     </p:ext>
     <p:ext uri="{2D200454-40CA-4A62-9FC3-DE9A4176ACB9}">
       <p15:notesGuideLst xmlns:p15="http://schemas.microsoft.com/office/powerpoint/2012/main">
-        <p15:guide id="1" orient="horz" pos="2978">
+        <p15:guide id="1" orient="horz" pos="2993">
           <p15:clr>
             <a:srgbClr val="A4A3A4"/>
           </p15:clr>
         </p15:guide>
-        <p15:guide id="2" pos="2126">
+        <p15:guide id="2" pos="2162">
           <p15:clr>
             <a:srgbClr val="A4A3A4"/>
           </p15:clr>
@@ -284,7 +283,7 @@
               <a:rPr lang="en-US">
                 <a:latin typeface="MetricHPE" panose="020B0503030202060203" pitchFamily="34" charset="0"/>
               </a:rPr>
-              <a:t>7/22/2025</a:t>
+              <a:t>7/24/2025</a:t>
             </a:fld>
             <a:endParaRPr dirty="0">
               <a:latin typeface="MetricHPE" panose="020B0503030202060203" pitchFamily="34" charset="0"/>
@@ -21422,13 +21421,7 @@
       </p:grpSpPr>
       <p:sp>
         <p:nvSpPr>
-          <p:cNvPr id="6" name="Content Placeholder 2">
-            <a:extLst>
-              <a:ext uri="{FF2B5EF4-FFF2-40B4-BE49-F238E27FC236}">
-                <a16:creationId xmlns:a16="http://schemas.microsoft.com/office/drawing/2014/main" id="{687D8F6D-38CE-4E9B-D34A-64FE3CA729B8}"/>
-              </a:ext>
-            </a:extLst>
-          </p:cNvPr>
+          <p:cNvPr id="6" name="Content Placeholder 2"/>
           <p:cNvSpPr>
             <a:spLocks noGrp="1"/>
           </p:cNvSpPr>
@@ -21661,13 +21654,7 @@
       </p:pic>
       <p:sp>
         <p:nvSpPr>
-          <p:cNvPr id="9" name="Title 8">
-            <a:extLst>
-              <a:ext uri="{FF2B5EF4-FFF2-40B4-BE49-F238E27FC236}">
-                <a16:creationId xmlns:a16="http://schemas.microsoft.com/office/drawing/2014/main" id="{4491B529-D7E0-3C61-C580-F0B5CA277F56}"/>
-              </a:ext>
-            </a:extLst>
-          </p:cNvPr>
+          <p:cNvPr id="9" name="Title 8"/>
           <p:cNvSpPr>
             <a:spLocks noGrp="1"/>
           </p:cNvSpPr>
@@ -21689,10 +21676,1468 @@
       </p:sp>
       <p:sp>
         <p:nvSpPr>
-          <p:cNvPr id="10" name="Title 4">
+          <p:cNvPr id="10" name="Title 4"/>
+          <p:cNvSpPr txBox="1"/>
+          <p:nvPr/>
+        </p:nvSpPr>
+        <p:spPr>
+          <a:xfrm>
+            <a:off x="232198" y="265558"/>
+            <a:ext cx="11423555" cy="300880"/>
+          </a:xfrm>
+          <a:prstGeom prst="rect">
+            <a:avLst/>
+          </a:prstGeom>
+        </p:spPr>
+        <p:txBody>
+          <a:bodyPr anchor="t" anchorCtr="0"/>
+          <a:lstStyle>
+            <a:lvl1pPr algn="l" defTabSz="914400" rtl="0" eaLnBrk="1" latinLnBrk="0" hangingPunct="1">
+              <a:lnSpc>
+                <a:spcPct val="80000"/>
+              </a:lnSpc>
+              <a:spcBef>
+                <a:spcPct val="0"/>
+              </a:spcBef>
+              <a:buNone/>
+              <a:defRPr sz="4400" b="0" kern="1200" cap="all" baseline="0">
+                <a:solidFill>
+                  <a:sysClr val="windowText" lastClr="000000"/>
+                </a:solidFill>
+                <a:latin typeface="MetricHPE Black" panose="020B0803030202060203" pitchFamily="34" charset="0"/>
+                <a:ea typeface="+mj-ea"/>
+                <a:cs typeface="+mj-cs"/>
+              </a:defRPr>
+            </a:lvl1pPr>
+          </a:lstStyle>
+          <a:p>
+            <a:pPr lvl="0">
+              <a:defRPr/>
+            </a:pPr>
+            <a:r>
+              <a:rPr lang="en-US" sz="2400" dirty="0"/>
+              <a:t>Text-2-SQL, Text-2-PL/SQL code generation and execution</a:t>
+            </a:r>
+            <a:endParaRPr kumimoji="0" lang="en-US" sz="2400" b="0" i="0" u="none" strike="noStrike" kern="1200" cap="all" spc="0" normalizeH="0" baseline="0" noProof="0" dirty="0">
+              <a:ln>
+                <a:noFill/>
+              </a:ln>
+              <a:solidFill>
+                <a:sysClr val="windowText" lastClr="000000"/>
+              </a:solidFill>
+              <a:effectLst/>
+              <a:uLnTx/>
+              <a:uFillTx/>
+              <a:latin typeface="MetricHPE Black" panose="020B0803030202060203" pitchFamily="34" charset="0"/>
+              <a:ea typeface="+mj-ea"/>
+              <a:cs typeface="+mj-cs"/>
+            </a:endParaRPr>
+          </a:p>
+        </p:txBody>
+      </p:sp>
+      <p:sp>
+        <p:nvSpPr>
+          <p:cNvPr id="11" name="Text Placeholder 7"/>
+          <p:cNvSpPr txBox="1"/>
+          <p:nvPr/>
+        </p:nvSpPr>
+        <p:spPr>
+          <a:xfrm>
+            <a:off x="577865" y="985796"/>
+            <a:ext cx="11233093" cy="4978400"/>
+          </a:xfrm>
+          <a:prstGeom prst="rect">
+            <a:avLst/>
+          </a:prstGeom>
+          <a:ln w="19050">
+            <a:solidFill>
+              <a:schemeClr val="tx1"/>
+            </a:solidFill>
+          </a:ln>
+        </p:spPr>
+        <p:txBody>
+          <a:bodyPr>
+            <a:noAutofit/>
+          </a:bodyPr>
+          <a:lstStyle>
+            <a:lvl1pPr marL="0" indent="0" algn="l" defTabSz="914400" rtl="0" eaLnBrk="1" latinLnBrk="0" hangingPunct="1">
+              <a:lnSpc>
+                <a:spcPct val="90000"/>
+              </a:lnSpc>
+              <a:spcBef>
+                <a:spcPts val="0"/>
+              </a:spcBef>
+              <a:buClrTx/>
+              <a:buNone/>
+              <a:defRPr sz="2200" kern="1200" baseline="0">
+                <a:solidFill>
+                  <a:schemeClr val="tx1"/>
+                </a:solidFill>
+                <a:latin typeface="MetricHPE" panose="020B0503030202060203" pitchFamily="34" charset="0"/>
+                <a:ea typeface="+mn-ea"/>
+                <a:cs typeface="+mn-cs"/>
+              </a:defRPr>
+            </a:lvl1pPr>
+            <a:lvl2pPr marL="0" indent="0" algn="l" defTabSz="914400" rtl="0" eaLnBrk="1" latinLnBrk="0" hangingPunct="1">
+              <a:lnSpc>
+                <a:spcPct val="90000"/>
+              </a:lnSpc>
+              <a:spcBef>
+                <a:spcPts val="0"/>
+              </a:spcBef>
+              <a:buClrTx/>
+              <a:buSzPct val="90000"/>
+              <a:buNone/>
+              <a:defRPr sz="2400" kern="1200">
+                <a:solidFill>
+                  <a:schemeClr val="tx1"/>
+                </a:solidFill>
+                <a:latin typeface="MetricHPE" panose="020B0503030202060203" pitchFamily="34" charset="0"/>
+                <a:ea typeface="+mn-ea"/>
+                <a:cs typeface="+mn-cs"/>
+              </a:defRPr>
+            </a:lvl2pPr>
+            <a:lvl3pPr marL="0" indent="0" algn="l" defTabSz="914400" rtl="0" eaLnBrk="1" latinLnBrk="0" hangingPunct="1">
+              <a:lnSpc>
+                <a:spcPct val="90000"/>
+              </a:lnSpc>
+              <a:spcBef>
+                <a:spcPts val="0"/>
+              </a:spcBef>
+              <a:buClrTx/>
+              <a:buNone/>
+              <a:defRPr sz="2400" kern="1200">
+                <a:solidFill>
+                  <a:schemeClr val="tx1"/>
+                </a:solidFill>
+                <a:latin typeface="MetricHPE" panose="020B0503030202060203" pitchFamily="34" charset="0"/>
+                <a:ea typeface="+mn-ea"/>
+                <a:cs typeface="+mn-cs"/>
+              </a:defRPr>
+            </a:lvl3pPr>
+            <a:lvl4pPr marL="0" indent="0" algn="l" defTabSz="914400" rtl="0" eaLnBrk="1" latinLnBrk="0" hangingPunct="1">
+              <a:lnSpc>
+                <a:spcPct val="90000"/>
+              </a:lnSpc>
+              <a:spcBef>
+                <a:spcPts val="0"/>
+              </a:spcBef>
+              <a:buClrTx/>
+              <a:buNone/>
+              <a:defRPr sz="2400" kern="1200">
+                <a:solidFill>
+                  <a:schemeClr val="tx1"/>
+                </a:solidFill>
+                <a:latin typeface="MetricHPE" panose="020B0503030202060203" pitchFamily="34" charset="0"/>
+                <a:ea typeface="+mn-ea"/>
+                <a:cs typeface="+mn-cs"/>
+              </a:defRPr>
+            </a:lvl4pPr>
+            <a:lvl5pPr marL="0" indent="0" algn="l" defTabSz="914400" rtl="0" eaLnBrk="1" latinLnBrk="0" hangingPunct="1">
+              <a:lnSpc>
+                <a:spcPct val="90000"/>
+              </a:lnSpc>
+              <a:spcBef>
+                <a:spcPts val="0"/>
+              </a:spcBef>
+              <a:buClrTx/>
+              <a:buNone/>
+              <a:defRPr sz="2400" kern="1200">
+                <a:solidFill>
+                  <a:schemeClr val="tx1"/>
+                </a:solidFill>
+                <a:latin typeface="MetricHPE" panose="020B0503030202060203" pitchFamily="34" charset="0"/>
+                <a:ea typeface="+mn-ea"/>
+                <a:cs typeface="+mn-cs"/>
+              </a:defRPr>
+            </a:lvl5pPr>
+            <a:lvl6pPr marL="0" indent="0" algn="l" defTabSz="914400" rtl="0" eaLnBrk="1" latinLnBrk="0" hangingPunct="1">
+              <a:lnSpc>
+                <a:spcPct val="90000"/>
+              </a:lnSpc>
+              <a:spcBef>
+                <a:spcPts val="0"/>
+              </a:spcBef>
+              <a:buClrTx/>
+              <a:buNone/>
+              <a:defRPr sz="2400" kern="1200">
+                <a:solidFill>
+                  <a:schemeClr val="tx1"/>
+                </a:solidFill>
+                <a:latin typeface="+mn-lt"/>
+                <a:ea typeface="+mn-ea"/>
+                <a:cs typeface="+mn-cs"/>
+              </a:defRPr>
+            </a:lvl6pPr>
+            <a:lvl7pPr marL="0" indent="0" algn="l" defTabSz="914400" rtl="0" eaLnBrk="1" latinLnBrk="0" hangingPunct="1">
+              <a:lnSpc>
+                <a:spcPct val="90000"/>
+              </a:lnSpc>
+              <a:spcBef>
+                <a:spcPts val="0"/>
+              </a:spcBef>
+              <a:buClrTx/>
+              <a:buNone/>
+              <a:defRPr sz="2400" kern="1200">
+                <a:solidFill>
+                  <a:schemeClr val="tx1"/>
+                </a:solidFill>
+                <a:latin typeface="+mn-lt"/>
+                <a:ea typeface="+mn-ea"/>
+                <a:cs typeface="+mn-cs"/>
+              </a:defRPr>
+            </a:lvl7pPr>
+            <a:lvl8pPr marL="0" indent="0" algn="l" defTabSz="914400" rtl="0" eaLnBrk="1" latinLnBrk="0" hangingPunct="1">
+              <a:lnSpc>
+                <a:spcPct val="90000"/>
+              </a:lnSpc>
+              <a:spcBef>
+                <a:spcPts val="0"/>
+              </a:spcBef>
+              <a:buClrTx/>
+              <a:buNone/>
+              <a:defRPr sz="2400" kern="1200">
+                <a:solidFill>
+                  <a:schemeClr val="tx1"/>
+                </a:solidFill>
+                <a:latin typeface="+mn-lt"/>
+                <a:ea typeface="+mn-ea"/>
+                <a:cs typeface="+mn-cs"/>
+              </a:defRPr>
+            </a:lvl8pPr>
+            <a:lvl9pPr marL="0" indent="0" algn="l" defTabSz="914400" rtl="0" eaLnBrk="1" latinLnBrk="0" hangingPunct="1">
+              <a:lnSpc>
+                <a:spcPct val="90000"/>
+              </a:lnSpc>
+              <a:spcBef>
+                <a:spcPts val="0"/>
+              </a:spcBef>
+              <a:buClrTx/>
+              <a:buNone/>
+              <a:defRPr sz="2400" kern="1200">
+                <a:solidFill>
+                  <a:schemeClr val="tx1"/>
+                </a:solidFill>
+                <a:latin typeface="+mn-lt"/>
+                <a:ea typeface="+mn-ea"/>
+                <a:cs typeface="+mn-cs"/>
+              </a:defRPr>
+            </a:lvl9pPr>
+          </a:lstStyle>
+          <a:p>
+            <a:pPr marL="0" marR="0" lvl="0" indent="0" algn="l" defTabSz="914400" rtl="0" eaLnBrk="1" fontAlgn="auto" latinLnBrk="0" hangingPunct="1">
+              <a:lnSpc>
+                <a:spcPct val="90000"/>
+              </a:lnSpc>
+              <a:spcBef>
+                <a:spcPts val="0"/>
+              </a:spcBef>
+              <a:spcAft>
+                <a:spcPts val="0"/>
+              </a:spcAft>
+              <a:buClrTx/>
+              <a:buSzTx/>
+              <a:buNone/>
+              <a:defRPr/>
+            </a:pPr>
+            <a:endParaRPr kumimoji="0" lang="en-US" sz="2200" b="0" i="0" u="none" strike="noStrike" kern="1200" cap="none" spc="0" normalizeH="0" baseline="0" noProof="0" dirty="0">
+              <a:ln>
+                <a:noFill/>
+              </a:ln>
+              <a:solidFill>
+                <a:prstClr val="black"/>
+              </a:solidFill>
+              <a:effectLst/>
+              <a:uLnTx/>
+              <a:uFillTx/>
+              <a:latin typeface="MetricHPE" panose="020B0503030202060203" pitchFamily="34" charset="0"/>
+              <a:ea typeface="+mn-ea"/>
+              <a:cs typeface="+mn-cs"/>
+            </a:endParaRPr>
+          </a:p>
+        </p:txBody>
+      </p:sp>
+      <p:sp>
+        <p:nvSpPr>
+          <p:cNvPr id="12" name="Rectangle 11"/>
+          <p:cNvSpPr/>
+          <p:nvPr/>
+        </p:nvSpPr>
+        <p:spPr bwMode="ltGray">
+          <a:xfrm>
+            <a:off x="232198" y="734786"/>
+            <a:ext cx="918922" cy="159294"/>
+          </a:xfrm>
+          <a:prstGeom prst="rect">
+            <a:avLst/>
+          </a:prstGeom>
+          <a:solidFill>
+            <a:schemeClr val="bg1"/>
+          </a:solidFill>
+          <a:ln w="57150">
+            <a:solidFill>
+              <a:schemeClr val="bg1"/>
+            </a:solidFill>
+          </a:ln>
+        </p:spPr>
+        <p:style>
+          <a:lnRef idx="2">
+            <a:schemeClr val="accent1">
+              <a:shade val="50000"/>
+            </a:schemeClr>
+          </a:lnRef>
+          <a:fillRef idx="1">
+            <a:schemeClr val="accent1"/>
+          </a:fillRef>
+          <a:effectRef idx="0">
+            <a:schemeClr val="accent1"/>
+          </a:effectRef>
+          <a:fontRef idx="minor">
+            <a:schemeClr val="lt1"/>
+          </a:fontRef>
+        </p:style>
+        <p:txBody>
+          <a:bodyPr tIns="91440" bIns="91440" rtlCol="0" anchor="ctr"/>
+          <a:lstStyle/>
+          <a:p>
+            <a:pPr algn="ctr"/>
+            <a:endParaRPr lang="en-IN" dirty="0" err="1">
+              <a:solidFill>
+                <a:schemeClr val="tx1"/>
+              </a:solidFill>
+            </a:endParaRPr>
+          </a:p>
+        </p:txBody>
+      </p:sp>
+    </p:spTree>
+  </p:cSld>
+  <p:clrMapOvr>
+    <a:masterClrMapping/>
+  </p:clrMapOvr>
+  <mc:AlternateContent xmlns:mc="http://schemas.openxmlformats.org/markup-compatibility/2006" xmlns:p14="http://schemas.microsoft.com/office/powerpoint/2010/main">
+    <mc:Choice Requires="p14">
+      <p:transition spd="med" p14:dur="700">
+        <p:fade/>
+      </p:transition>
+    </mc:Choice>
+    <mc:Fallback xmlns="">
+      <p:transition spd="med">
+        <p:fade/>
+      </p:transition>
+    </mc:Fallback>
+  </mc:AlternateContent>
+</p:sld>
+</file>
+
+<file path=ppt/slides/slide11.xml><?xml version="1.0" encoding="utf-8"?>
+<p:sld xmlns:a="http://schemas.openxmlformats.org/drawingml/2006/main" xmlns:r="http://schemas.openxmlformats.org/officeDocument/2006/relationships" xmlns:p="http://schemas.openxmlformats.org/presentationml/2006/main">
+  <p:cSld>
+    <p:spTree>
+      <p:nvGrpSpPr>
+        <p:cNvPr id="1" name=""/>
+        <p:cNvGrpSpPr/>
+        <p:nvPr/>
+      </p:nvGrpSpPr>
+      <p:grpSpPr>
+        <a:xfrm>
+          <a:off x="0" y="0"/>
+          <a:ext cx="0" cy="0"/>
+          <a:chOff x="0" y="0"/>
+          <a:chExt cx="0" cy="0"/>
+        </a:xfrm>
+      </p:grpSpPr>
+      <p:graphicFrame>
+        <p:nvGraphicFramePr>
+          <p:cNvPr id="6" name="Table 5"/>
+          <p:cNvGraphicFramePr/>
+          <p:nvPr>
+            <p:custDataLst>
+              <p:tags r:id="rId1"/>
+            </p:custDataLst>
+            <p:extLst>
+              <p:ext uri="{D42A27DB-BD31-4B8C-83A1-F6EECF244321}">
+                <p14:modId xmlns:p14="http://schemas.microsoft.com/office/powerpoint/2010/main" val="738677837"/>
+              </p:ext>
+            </p:extLst>
+          </p:nvPr>
+        </p:nvGraphicFramePr>
+        <p:xfrm>
+          <a:off x="691242" y="1050470"/>
+          <a:ext cx="10915287" cy="4860472"/>
+        </p:xfrm>
+        <a:graphic>
+          <a:graphicData uri="http://schemas.openxmlformats.org/drawingml/2006/table">
+            <a:tbl>
+              <a:tblPr/>
+              <a:tblGrid>
+                <a:gridCol w="2398826">
+                  <a:extLst>
+                    <a:ext uri="{9D8B030D-6E8A-4147-A177-3AD203B41FA5}">
+                      <a16:colId xmlns:a16="http://schemas.microsoft.com/office/drawing/2014/main" val="20000"/>
+                    </a:ext>
+                  </a:extLst>
+                </a:gridCol>
+                <a:gridCol w="4075493">
+                  <a:extLst>
+                    <a:ext uri="{9D8B030D-6E8A-4147-A177-3AD203B41FA5}">
+                      <a16:colId xmlns:a16="http://schemas.microsoft.com/office/drawing/2014/main" val="20001"/>
+                    </a:ext>
+                  </a:extLst>
+                </a:gridCol>
+                <a:gridCol w="4440968">
+                  <a:extLst>
+                    <a:ext uri="{9D8B030D-6E8A-4147-A177-3AD203B41FA5}">
+                      <a16:colId xmlns:a16="http://schemas.microsoft.com/office/drawing/2014/main" val="20002"/>
+                    </a:ext>
+                  </a:extLst>
+                </a:gridCol>
+              </a:tblGrid>
+              <a:tr h="565946">
+                <a:tc>
+                  <a:txBody>
+                    <a:bodyPr/>
+                    <a:lstStyle/>
+                    <a:p>
+                      <a:r>
+                        <a:rPr sz="1800" b="1">
+                          <a:latin typeface="+mj-lt"/>
+                          <a:cs typeface="+mj-lt"/>
+                        </a:rPr>
+                        <a:t>Aspect</a:t>
+                      </a:r>
+                    </a:p>
+                  </a:txBody>
+                  <a:tcPr marL="0" marR="0" marT="0" marB="0" anchor="ctr">
+                    <a:lnL>
+                      <a:noFill/>
+                    </a:lnL>
+                    <a:lnR>
+                      <a:noFill/>
+                    </a:lnR>
+                    <a:lnT>
+                      <a:noFill/>
+                    </a:lnT>
+                    <a:lnB>
+                      <a:noFill/>
+                    </a:lnB>
+                    <a:noFill/>
+                  </a:tcPr>
+                </a:tc>
+                <a:tc>
+                  <a:txBody>
+                    <a:bodyPr/>
+                    <a:lstStyle/>
+                    <a:p>
+                      <a:r>
+                        <a:rPr lang="en-US" sz="1800" b="1" dirty="0"/>
+                        <a:t>General purpose LLMs like </a:t>
+                      </a:r>
+                      <a:r>
+                        <a:rPr sz="1800" b="1" dirty="0"/>
+                        <a:t>ChatGPT/Copilot</a:t>
+                      </a:r>
+                    </a:p>
+                  </a:txBody>
+                  <a:tcPr marL="0" marR="0" marT="0" marB="0" anchor="ctr">
+                    <a:lnL>
+                      <a:noFill/>
+                    </a:lnL>
+                    <a:lnR>
+                      <a:noFill/>
+                    </a:lnR>
+                    <a:lnT>
+                      <a:noFill/>
+                    </a:lnT>
+                    <a:lnB>
+                      <a:noFill/>
+                    </a:lnB>
+                    <a:noFill/>
+                  </a:tcPr>
+                </a:tc>
+                <a:tc>
+                  <a:txBody>
+                    <a:bodyPr/>
+                    <a:lstStyle/>
+                    <a:p>
+                      <a:r>
+                        <a:rPr lang="en-US" sz="1800" b="1"/>
+                        <a:t>                       </a:t>
+                      </a:r>
+                      <a:r>
+                        <a:rPr sz="1800" b="1"/>
+                        <a:t>Our Text-to-SQL System</a:t>
+                      </a:r>
+                    </a:p>
+                  </a:txBody>
+                  <a:tcPr marL="0" marR="0" marT="0" marB="0" anchor="ctr">
+                    <a:lnL>
+                      <a:noFill/>
+                    </a:lnL>
+                    <a:lnR>
+                      <a:noFill/>
+                    </a:lnR>
+                    <a:lnT>
+                      <a:noFill/>
+                    </a:lnT>
+                    <a:lnB>
+                      <a:noFill/>
+                    </a:lnB>
+                    <a:noFill/>
+                  </a:tcPr>
+                </a:tc>
+                <a:extLst>
+                  <a:ext uri="{0D108BD9-81ED-4DB2-BD59-A6C34878D82A}">
+                    <a16:rowId xmlns:a16="http://schemas.microsoft.com/office/drawing/2014/main" val="10000"/>
+                  </a:ext>
+                </a:extLst>
+              </a:tr>
+              <a:tr h="504120">
+                <a:tc>
+                  <a:txBody>
+                    <a:bodyPr/>
+                    <a:lstStyle/>
+                    <a:p>
+                      <a:pPr>
+                        <a:lnSpc>
+                          <a:spcPct val="100000"/>
+                        </a:lnSpc>
+                      </a:pPr>
+                      <a:r>
+                        <a:rPr lang="en-US" sz="1600" dirty="0"/>
+                        <a:t>1. </a:t>
+                      </a:r>
+                      <a:r>
+                        <a:rPr sz="1600" dirty="0"/>
+                        <a:t>Use Case</a:t>
+                      </a:r>
+                    </a:p>
+                  </a:txBody>
+                  <a:tcPr marL="0" marR="0" marT="0" marB="0" anchor="ctr">
+                    <a:lnL>
+                      <a:noFill/>
+                    </a:lnL>
+                    <a:lnR>
+                      <a:noFill/>
+                    </a:lnR>
+                    <a:lnT>
+                      <a:noFill/>
+                    </a:lnT>
+                    <a:lnB>
+                      <a:noFill/>
+                    </a:lnB>
+                    <a:noFill/>
+                  </a:tcPr>
+                </a:tc>
+                <a:tc>
+                  <a:txBody>
+                    <a:bodyPr/>
+                    <a:lstStyle/>
+                    <a:p>
+                      <a:pPr marL="285750" indent="-285750">
+                        <a:lnSpc>
+                          <a:spcPct val="100000"/>
+                        </a:lnSpc>
+                        <a:buFont typeface="Wingdings" panose="05000000000000000000" charset="0"/>
+                        <a:buChar char="Ø"/>
+                      </a:pPr>
+                      <a:r>
+                        <a:rPr sz="1600"/>
+                        <a:t>General-purpose assistant for text, code, documentation</a:t>
+                      </a:r>
+                    </a:p>
+                  </a:txBody>
+                  <a:tcPr marL="0" marR="0" marT="0" marB="0" anchor="ctr">
+                    <a:lnL>
+                      <a:noFill/>
+                    </a:lnL>
+                    <a:lnR>
+                      <a:noFill/>
+                    </a:lnR>
+                    <a:lnT>
+                      <a:noFill/>
+                    </a:lnT>
+                    <a:lnB>
+                      <a:noFill/>
+                    </a:lnB>
+                    <a:noFill/>
+                  </a:tcPr>
+                </a:tc>
+                <a:tc>
+                  <a:txBody>
+                    <a:bodyPr/>
+                    <a:lstStyle/>
+                    <a:p>
+                      <a:pPr marL="285750" indent="-285750">
+                        <a:lnSpc>
+                          <a:spcPct val="100000"/>
+                        </a:lnSpc>
+                        <a:buFont typeface="Wingdings" panose="05000000000000000000" charset="0"/>
+                        <a:buChar char="Ø"/>
+                      </a:pPr>
+                      <a:r>
+                        <a:rPr sz="1600"/>
+                        <a:t>Specialized tool for querying databases using natural language</a:t>
+                      </a:r>
+                    </a:p>
+                  </a:txBody>
+                  <a:tcPr marL="0" marR="0" marT="0" marB="0" anchor="ctr">
+                    <a:lnL>
+                      <a:noFill/>
+                    </a:lnL>
+                    <a:lnR>
+                      <a:noFill/>
+                    </a:lnR>
+                    <a:lnT>
+                      <a:noFill/>
+                    </a:lnT>
+                    <a:lnB>
+                      <a:noFill/>
+                    </a:lnB>
+                    <a:noFill/>
+                  </a:tcPr>
+                </a:tc>
+                <a:extLst>
+                  <a:ext uri="{0D108BD9-81ED-4DB2-BD59-A6C34878D82A}">
+                    <a16:rowId xmlns:a16="http://schemas.microsoft.com/office/drawing/2014/main" val="10001"/>
+                  </a:ext>
+                </a:extLst>
+              </a:tr>
+              <a:tr h="502336">
+                <a:tc>
+                  <a:txBody>
+                    <a:bodyPr/>
+                    <a:lstStyle/>
+                    <a:p>
+                      <a:pPr>
+                        <a:lnSpc>
+                          <a:spcPct val="100000"/>
+                        </a:lnSpc>
+                      </a:pPr>
+                      <a:r>
+                        <a:rPr lang="en-US" sz="1600"/>
+                        <a:t>2. </a:t>
+                      </a:r>
+                      <a:r>
+                        <a:rPr sz="1600"/>
+                        <a:t>Schema Awareness</a:t>
+                      </a:r>
+                    </a:p>
+                  </a:txBody>
+                  <a:tcPr marL="0" marR="0" marT="0" marB="0" anchor="ctr">
+                    <a:lnL>
+                      <a:noFill/>
+                    </a:lnL>
+                    <a:lnR>
+                      <a:noFill/>
+                    </a:lnR>
+                    <a:lnT>
+                      <a:noFill/>
+                    </a:lnT>
+                    <a:lnB>
+                      <a:noFill/>
+                    </a:lnB>
+                    <a:noFill/>
+                  </a:tcPr>
+                </a:tc>
+                <a:tc>
+                  <a:txBody>
+                    <a:bodyPr/>
+                    <a:lstStyle/>
+                    <a:p>
+                      <a:pPr marL="285750" indent="-285750">
+                        <a:lnSpc>
+                          <a:spcPct val="100000"/>
+                        </a:lnSpc>
+                        <a:buFont typeface="Wingdings" panose="05000000000000000000" charset="0"/>
+                        <a:buChar char="Ø"/>
+                      </a:pPr>
+                      <a:r>
+                        <a:rPr sz="1600"/>
+                        <a:t>No built-in knowledge of live DB schema</a:t>
+                      </a:r>
+                    </a:p>
+                  </a:txBody>
+                  <a:tcPr marL="0" marR="0" marT="0" marB="0" anchor="ctr">
+                    <a:lnL>
+                      <a:noFill/>
+                    </a:lnL>
+                    <a:lnR>
+                      <a:noFill/>
+                    </a:lnR>
+                    <a:lnT>
+                      <a:noFill/>
+                    </a:lnT>
+                    <a:lnB>
+                      <a:noFill/>
+                    </a:lnB>
+                    <a:noFill/>
+                  </a:tcPr>
+                </a:tc>
+                <a:tc>
+                  <a:txBody>
+                    <a:bodyPr/>
+                    <a:lstStyle/>
+                    <a:p>
+                      <a:pPr marL="285750" indent="-285750">
+                        <a:lnSpc>
+                          <a:spcPct val="100000"/>
+                        </a:lnSpc>
+                        <a:buFont typeface="Wingdings" panose="05000000000000000000" charset="0"/>
+                        <a:buChar char="Ø"/>
+                      </a:pPr>
+                      <a:r>
+                        <a:rPr sz="1600"/>
+                        <a:t>Dynamically fetches schema from PostgreSQL using RAG</a:t>
+                      </a:r>
+                    </a:p>
+                  </a:txBody>
+                  <a:tcPr marL="0" marR="0" marT="0" marB="0" anchor="ctr">
+                    <a:lnL>
+                      <a:noFill/>
+                    </a:lnL>
+                    <a:lnR>
+                      <a:noFill/>
+                    </a:lnR>
+                    <a:lnT>
+                      <a:noFill/>
+                    </a:lnT>
+                    <a:lnB>
+                      <a:noFill/>
+                    </a:lnB>
+                    <a:noFill/>
+                  </a:tcPr>
+                </a:tc>
+                <a:extLst>
+                  <a:ext uri="{0D108BD9-81ED-4DB2-BD59-A6C34878D82A}">
+                    <a16:rowId xmlns:a16="http://schemas.microsoft.com/office/drawing/2014/main" val="10002"/>
+                  </a:ext>
+                </a:extLst>
+              </a:tr>
+              <a:tr h="502930">
+                <a:tc>
+                  <a:txBody>
+                    <a:bodyPr/>
+                    <a:lstStyle/>
+                    <a:p>
+                      <a:pPr>
+                        <a:lnSpc>
+                          <a:spcPct val="100000"/>
+                        </a:lnSpc>
+                      </a:pPr>
+                      <a:r>
+                        <a:rPr lang="en-US" sz="1600"/>
+                        <a:t>3. </a:t>
+                      </a:r>
+                      <a:r>
+                        <a:rPr sz="1600"/>
+                        <a:t>Query Accuracy</a:t>
+                      </a:r>
+                    </a:p>
+                  </a:txBody>
+                  <a:tcPr marL="0" marR="0" marT="0" marB="0" anchor="ctr">
+                    <a:lnL>
+                      <a:noFill/>
+                    </a:lnL>
+                    <a:lnR>
+                      <a:noFill/>
+                    </a:lnR>
+                    <a:lnT>
+                      <a:noFill/>
+                    </a:lnT>
+                    <a:lnB>
+                      <a:noFill/>
+                    </a:lnB>
+                    <a:noFill/>
+                  </a:tcPr>
+                </a:tc>
+                <a:tc>
+                  <a:txBody>
+                    <a:bodyPr/>
+                    <a:lstStyle/>
+                    <a:p>
+                      <a:pPr marL="285750" indent="-285750">
+                        <a:lnSpc>
+                          <a:spcPct val="100000"/>
+                        </a:lnSpc>
+                        <a:buFont typeface="Wingdings" panose="05000000000000000000" charset="0"/>
+                        <a:buChar char="Ø"/>
+                      </a:pPr>
+                      <a:r>
+                        <a:rPr sz="1600"/>
+                        <a:t>Prone to hallucinations, especially on unseen schema</a:t>
+                      </a:r>
+                    </a:p>
+                  </a:txBody>
+                  <a:tcPr marL="0" marR="0" marT="0" marB="0" anchor="ctr">
+                    <a:lnL>
+                      <a:noFill/>
+                    </a:lnL>
+                    <a:lnR>
+                      <a:noFill/>
+                    </a:lnR>
+                    <a:lnT>
+                      <a:noFill/>
+                    </a:lnT>
+                    <a:lnB>
+                      <a:noFill/>
+                    </a:lnB>
+                    <a:noFill/>
+                  </a:tcPr>
+                </a:tc>
+                <a:tc>
+                  <a:txBody>
+                    <a:bodyPr/>
+                    <a:lstStyle/>
+                    <a:p>
+                      <a:pPr marL="285750" indent="-285750">
+                        <a:lnSpc>
+                          <a:spcPct val="100000"/>
+                        </a:lnSpc>
+                        <a:buFont typeface="Wingdings" panose="05000000000000000000" charset="0"/>
+                        <a:buChar char="Ø"/>
+                      </a:pPr>
+                      <a:r>
+                        <a:rPr sz="1600"/>
+                        <a:t>Schema-aware prompts + live retrieval improve SQL accuracy</a:t>
+                      </a:r>
+                    </a:p>
+                  </a:txBody>
+                  <a:tcPr marL="0" marR="0" marT="0" marB="0" anchor="ctr">
+                    <a:lnL>
+                      <a:noFill/>
+                    </a:lnL>
+                    <a:lnR>
+                      <a:noFill/>
+                    </a:lnR>
+                    <a:lnT>
+                      <a:noFill/>
+                    </a:lnT>
+                    <a:lnB>
+                      <a:noFill/>
+                    </a:lnB>
+                    <a:noFill/>
+                  </a:tcPr>
+                </a:tc>
+                <a:extLst>
+                  <a:ext uri="{0D108BD9-81ED-4DB2-BD59-A6C34878D82A}">
+                    <a16:rowId xmlns:a16="http://schemas.microsoft.com/office/drawing/2014/main" val="10003"/>
+                  </a:ext>
+                </a:extLst>
+              </a:tr>
+              <a:tr h="549894">
+                <a:tc>
+                  <a:txBody>
+                    <a:bodyPr/>
+                    <a:lstStyle/>
+                    <a:p>
+                      <a:pPr>
+                        <a:lnSpc>
+                          <a:spcPct val="100000"/>
+                        </a:lnSpc>
+                      </a:pPr>
+                      <a:r>
+                        <a:rPr lang="en-US" sz="1600"/>
+                        <a:t>4. </a:t>
+                      </a:r>
+                      <a:r>
+                        <a:rPr sz="1600"/>
+                        <a:t>Execution</a:t>
+                      </a:r>
+                    </a:p>
+                  </a:txBody>
+                  <a:tcPr marL="0" marR="0" marT="0" marB="0" anchor="ctr">
+                    <a:lnL>
+                      <a:noFill/>
+                    </a:lnL>
+                    <a:lnR>
+                      <a:noFill/>
+                    </a:lnR>
+                    <a:lnT>
+                      <a:noFill/>
+                    </a:lnT>
+                    <a:lnB>
+                      <a:noFill/>
+                    </a:lnB>
+                    <a:noFill/>
+                  </a:tcPr>
+                </a:tc>
+                <a:tc>
+                  <a:txBody>
+                    <a:bodyPr/>
+                    <a:lstStyle/>
+                    <a:p>
+                      <a:pPr marL="285750" indent="-285750">
+                        <a:lnSpc>
+                          <a:spcPct val="100000"/>
+                        </a:lnSpc>
+                        <a:buFont typeface="Wingdings" panose="05000000000000000000" charset="0"/>
+                        <a:buChar char="Ø"/>
+                      </a:pPr>
+                      <a:r>
+                        <a:rPr sz="1600"/>
+                        <a:t>No built-in query execution — generates text only</a:t>
+                      </a:r>
+                    </a:p>
+                  </a:txBody>
+                  <a:tcPr marL="0" marR="0" marT="0" marB="0" anchor="ctr">
+                    <a:lnL>
+                      <a:noFill/>
+                    </a:lnL>
+                    <a:lnR>
+                      <a:noFill/>
+                    </a:lnR>
+                    <a:lnT>
+                      <a:noFill/>
+                    </a:lnT>
+                    <a:lnB>
+                      <a:noFill/>
+                    </a:lnB>
+                    <a:noFill/>
+                  </a:tcPr>
+                </a:tc>
+                <a:tc>
+                  <a:txBody>
+                    <a:bodyPr/>
+                    <a:lstStyle/>
+                    <a:p>
+                      <a:pPr marL="285750" indent="-285750">
+                        <a:lnSpc>
+                          <a:spcPct val="100000"/>
+                        </a:lnSpc>
+                        <a:buFont typeface="Wingdings" panose="05000000000000000000" charset="0"/>
+                        <a:buChar char="Ø"/>
+                      </a:pPr>
+                      <a:r>
+                        <a:rPr sz="1600"/>
+                        <a:t>Executes SQL in real-time and displays results via Streamlit UI</a:t>
+                      </a:r>
+                    </a:p>
+                  </a:txBody>
+                  <a:tcPr marL="0" marR="0" marT="0" marB="0" anchor="ctr">
+                    <a:lnL>
+                      <a:noFill/>
+                    </a:lnL>
+                    <a:lnR>
+                      <a:noFill/>
+                    </a:lnR>
+                    <a:lnT>
+                      <a:noFill/>
+                    </a:lnT>
+                    <a:lnB>
+                      <a:noFill/>
+                    </a:lnB>
+                    <a:noFill/>
+                  </a:tcPr>
+                </a:tc>
+                <a:extLst>
+                  <a:ext uri="{0D108BD9-81ED-4DB2-BD59-A6C34878D82A}">
+                    <a16:rowId xmlns:a16="http://schemas.microsoft.com/office/drawing/2014/main" val="10004"/>
+                  </a:ext>
+                </a:extLst>
+              </a:tr>
+              <a:tr h="502336">
+                <a:tc>
+                  <a:txBody>
+                    <a:bodyPr/>
+                    <a:lstStyle/>
+                    <a:p>
+                      <a:pPr>
+                        <a:lnSpc>
+                          <a:spcPct val="100000"/>
+                        </a:lnSpc>
+                      </a:pPr>
+                      <a:r>
+                        <a:rPr lang="en-US" sz="1600"/>
+                        <a:t>5. </a:t>
+                      </a:r>
+                      <a:r>
+                        <a:rPr sz="1600"/>
+                        <a:t>Transparency</a:t>
+                      </a:r>
+                    </a:p>
+                  </a:txBody>
+                  <a:tcPr marL="0" marR="0" marT="0" marB="0" anchor="ctr">
+                    <a:lnL>
+                      <a:noFill/>
+                    </a:lnL>
+                    <a:lnR>
+                      <a:noFill/>
+                    </a:lnR>
+                    <a:lnT>
+                      <a:noFill/>
+                    </a:lnT>
+                    <a:lnB>
+                      <a:noFill/>
+                    </a:lnB>
+                    <a:noFill/>
+                  </a:tcPr>
+                </a:tc>
+                <a:tc>
+                  <a:txBody>
+                    <a:bodyPr/>
+                    <a:lstStyle/>
+                    <a:p>
+                      <a:pPr marL="285750" indent="-285750">
+                        <a:lnSpc>
+                          <a:spcPct val="100000"/>
+                        </a:lnSpc>
+                        <a:buFont typeface="Wingdings" panose="05000000000000000000" charset="0"/>
+                        <a:buChar char="Ø"/>
+                      </a:pPr>
+                      <a:r>
+                        <a:rPr sz="1600"/>
+                        <a:t>Limited explanation of how output was generated</a:t>
+                      </a:r>
+                    </a:p>
+                  </a:txBody>
+                  <a:tcPr marL="0" marR="0" marT="0" marB="0" anchor="ctr">
+                    <a:lnL>
+                      <a:noFill/>
+                    </a:lnL>
+                    <a:lnR>
+                      <a:noFill/>
+                    </a:lnR>
+                    <a:lnT>
+                      <a:noFill/>
+                    </a:lnT>
+                    <a:lnB>
+                      <a:noFill/>
+                    </a:lnB>
+                    <a:noFill/>
+                  </a:tcPr>
+                </a:tc>
+                <a:tc>
+                  <a:txBody>
+                    <a:bodyPr/>
+                    <a:lstStyle/>
+                    <a:p>
+                      <a:pPr marL="285750" indent="-285750">
+                        <a:lnSpc>
+                          <a:spcPct val="100000"/>
+                        </a:lnSpc>
+                        <a:buFont typeface="Wingdings" panose="05000000000000000000" charset="0"/>
+                        <a:buChar char="Ø"/>
+                      </a:pPr>
+                      <a:r>
+                        <a:rPr sz="1600"/>
+                        <a:t>Uses Chain-of-Thought reasoning for query explainability</a:t>
+                      </a:r>
+                    </a:p>
+                  </a:txBody>
+                  <a:tcPr marL="0" marR="0" marT="0" marB="0" anchor="ctr">
+                    <a:lnL>
+                      <a:noFill/>
+                    </a:lnL>
+                    <a:lnR>
+                      <a:noFill/>
+                    </a:lnR>
+                    <a:lnT>
+                      <a:noFill/>
+                    </a:lnT>
+                    <a:lnB>
+                      <a:noFill/>
+                    </a:lnB>
+                    <a:noFill/>
+                  </a:tcPr>
+                </a:tc>
+                <a:extLst>
+                  <a:ext uri="{0D108BD9-81ED-4DB2-BD59-A6C34878D82A}">
+                    <a16:rowId xmlns:a16="http://schemas.microsoft.com/office/drawing/2014/main" val="10005"/>
+                  </a:ext>
+                </a:extLst>
+              </a:tr>
+              <a:tr h="502930">
+                <a:tc>
+                  <a:txBody>
+                    <a:bodyPr/>
+                    <a:lstStyle/>
+                    <a:p>
+                      <a:pPr>
+                        <a:lnSpc>
+                          <a:spcPct val="100000"/>
+                        </a:lnSpc>
+                      </a:pPr>
+                      <a:r>
+                        <a:rPr lang="en-US" sz="1600"/>
+                        <a:t>6. </a:t>
+                      </a:r>
+                      <a:r>
+                        <a:rPr sz="1600"/>
+                        <a:t>Privacy / Hosting</a:t>
+                      </a:r>
+                    </a:p>
+                  </a:txBody>
+                  <a:tcPr marL="0" marR="0" marT="0" marB="0" anchor="ctr">
+                    <a:lnL>
+                      <a:noFill/>
+                    </a:lnL>
+                    <a:lnR>
+                      <a:noFill/>
+                    </a:lnR>
+                    <a:lnT>
+                      <a:noFill/>
+                    </a:lnT>
+                    <a:lnB>
+                      <a:noFill/>
+                    </a:lnB>
+                    <a:noFill/>
+                  </a:tcPr>
+                </a:tc>
+                <a:tc>
+                  <a:txBody>
+                    <a:bodyPr/>
+                    <a:lstStyle/>
+                    <a:p>
+                      <a:pPr marL="285750" indent="-285750">
+                        <a:lnSpc>
+                          <a:spcPct val="100000"/>
+                        </a:lnSpc>
+                        <a:buFont typeface="Wingdings" panose="05000000000000000000" charset="0"/>
+                        <a:buChar char="Ø"/>
+                      </a:pPr>
+                      <a:r>
+                        <a:rPr sz="1600"/>
+                        <a:t>Cloud-based, data goes to external servers</a:t>
+                      </a:r>
+                    </a:p>
+                  </a:txBody>
+                  <a:tcPr marL="0" marR="0" marT="0" marB="0" anchor="ctr">
+                    <a:lnL>
+                      <a:noFill/>
+                    </a:lnL>
+                    <a:lnR>
+                      <a:noFill/>
+                    </a:lnR>
+                    <a:lnT>
+                      <a:noFill/>
+                    </a:lnT>
+                    <a:lnB>
+                      <a:noFill/>
+                    </a:lnB>
+                    <a:noFill/>
+                  </a:tcPr>
+                </a:tc>
+                <a:tc>
+                  <a:txBody>
+                    <a:bodyPr/>
+                    <a:lstStyle/>
+                    <a:p>
+                      <a:pPr marL="285750" indent="-285750">
+                        <a:lnSpc>
+                          <a:spcPct val="100000"/>
+                        </a:lnSpc>
+                        <a:buFont typeface="Wingdings" panose="05000000000000000000" charset="0"/>
+                        <a:buChar char="Ø"/>
+                      </a:pPr>
+                      <a:r>
+                        <a:rPr sz="1600"/>
+                        <a:t>Runs fully locally — safe for internal and sensitive data</a:t>
+                      </a:r>
+                    </a:p>
+                  </a:txBody>
+                  <a:tcPr marL="0" marR="0" marT="0" marB="0" anchor="ctr">
+                    <a:lnL>
+                      <a:noFill/>
+                    </a:lnL>
+                    <a:lnR>
+                      <a:noFill/>
+                    </a:lnR>
+                    <a:lnT>
+                      <a:noFill/>
+                    </a:lnT>
+                    <a:lnB>
+                      <a:noFill/>
+                    </a:lnB>
+                    <a:noFill/>
+                  </a:tcPr>
+                </a:tc>
+                <a:extLst>
+                  <a:ext uri="{0D108BD9-81ED-4DB2-BD59-A6C34878D82A}">
+                    <a16:rowId xmlns:a16="http://schemas.microsoft.com/office/drawing/2014/main" val="10006"/>
+                  </a:ext>
+                </a:extLst>
+              </a:tr>
+              <a:tr h="726455">
+                <a:tc>
+                  <a:txBody>
+                    <a:bodyPr/>
+                    <a:lstStyle/>
+                    <a:p>
+                      <a:pPr>
+                        <a:lnSpc>
+                          <a:spcPct val="100000"/>
+                        </a:lnSpc>
+                      </a:pPr>
+                      <a:r>
+                        <a:rPr lang="en-US" sz="1600"/>
+                        <a:t>7. </a:t>
+                      </a:r>
+                      <a:r>
+                        <a:rPr sz="1600"/>
+                        <a:t>Integration</a:t>
+                      </a:r>
+                    </a:p>
+                  </a:txBody>
+                  <a:tcPr marL="0" marR="0" marT="0" marB="0" anchor="ctr">
+                    <a:lnL>
+                      <a:noFill/>
+                    </a:lnL>
+                    <a:lnR>
+                      <a:noFill/>
+                    </a:lnR>
+                    <a:lnT>
+                      <a:noFill/>
+                    </a:lnT>
+                    <a:lnB>
+                      <a:noFill/>
+                    </a:lnB>
+                    <a:noFill/>
+                  </a:tcPr>
+                </a:tc>
+                <a:tc>
+                  <a:txBody>
+                    <a:bodyPr/>
+                    <a:lstStyle/>
+                    <a:p>
+                      <a:pPr marL="285750" indent="-285750">
+                        <a:lnSpc>
+                          <a:spcPct val="100000"/>
+                        </a:lnSpc>
+                        <a:buFont typeface="Wingdings" panose="05000000000000000000" charset="0"/>
+                        <a:buChar char="Ø"/>
+                      </a:pPr>
+                      <a:r>
+                        <a:rPr sz="1600"/>
+                        <a:t>Not directly integrated with DB systems</a:t>
+                      </a:r>
+                    </a:p>
+                  </a:txBody>
+                  <a:tcPr marL="0" marR="0" marT="0" marB="0" anchor="ctr">
+                    <a:lnL>
+                      <a:noFill/>
+                    </a:lnL>
+                    <a:lnR>
+                      <a:noFill/>
+                    </a:lnR>
+                    <a:lnT>
+                      <a:noFill/>
+                    </a:lnT>
+                    <a:lnB>
+                      <a:noFill/>
+                    </a:lnB>
+                    <a:noFill/>
+                  </a:tcPr>
+                </a:tc>
+                <a:tc>
+                  <a:txBody>
+                    <a:bodyPr/>
+                    <a:lstStyle/>
+                    <a:p>
+                      <a:pPr marL="285750" indent="-285750">
+                        <a:lnSpc>
+                          <a:spcPct val="100000"/>
+                        </a:lnSpc>
+                        <a:buFont typeface="Wingdings" panose="05000000000000000000" charset="0"/>
+                        <a:buChar char="Ø"/>
+                      </a:pPr>
+                      <a:r>
+                        <a:rPr sz="1600"/>
+                        <a:t>Modular backend with FastAPI — easily connects to relational DBs</a:t>
+                      </a:r>
+                    </a:p>
+                  </a:txBody>
+                  <a:tcPr marL="0" marR="0" marT="0" marB="0" anchor="ctr">
+                    <a:lnL>
+                      <a:noFill/>
+                    </a:lnL>
+                    <a:lnR>
+                      <a:noFill/>
+                    </a:lnR>
+                    <a:lnT>
+                      <a:noFill/>
+                    </a:lnT>
+                    <a:lnB>
+                      <a:noFill/>
+                    </a:lnB>
+                    <a:noFill/>
+                  </a:tcPr>
+                </a:tc>
+                <a:extLst>
+                  <a:ext uri="{0D108BD9-81ED-4DB2-BD59-A6C34878D82A}">
+                    <a16:rowId xmlns:a16="http://schemas.microsoft.com/office/drawing/2014/main" val="10007"/>
+                  </a:ext>
+                </a:extLst>
+              </a:tr>
+              <a:tr h="503525">
+                <a:tc>
+                  <a:txBody>
+                    <a:bodyPr/>
+                    <a:lstStyle/>
+                    <a:p>
+                      <a:pPr>
+                        <a:lnSpc>
+                          <a:spcPct val="100000"/>
+                        </a:lnSpc>
+                      </a:pPr>
+                      <a:r>
+                        <a:rPr lang="en-US" sz="1600" dirty="0"/>
+                        <a:t>8. </a:t>
+                      </a:r>
+                      <a:r>
+                        <a:rPr sz="1600" dirty="0"/>
+                        <a:t>Target User</a:t>
+                      </a:r>
+                    </a:p>
+                  </a:txBody>
+                  <a:tcPr marL="0" marR="0" marT="0" marB="0" anchor="ctr">
+                    <a:lnL>
+                      <a:noFill/>
+                    </a:lnL>
+                    <a:lnR>
+                      <a:noFill/>
+                    </a:lnR>
+                    <a:lnT>
+                      <a:noFill/>
+                    </a:lnT>
+                    <a:lnB>
+                      <a:noFill/>
+                    </a:lnB>
+                    <a:noFill/>
+                  </a:tcPr>
+                </a:tc>
+                <a:tc>
+                  <a:txBody>
+                    <a:bodyPr/>
+                    <a:lstStyle/>
+                    <a:p>
+                      <a:pPr marL="285750" indent="-285750">
+                        <a:lnSpc>
+                          <a:spcPct val="100000"/>
+                        </a:lnSpc>
+                        <a:buFont typeface="Wingdings" panose="05000000000000000000" charset="0"/>
+                        <a:buChar char="Ø"/>
+                      </a:pPr>
+                      <a:r>
+                        <a:rPr sz="1600" dirty="0"/>
+                        <a:t>Developers, </a:t>
+                      </a:r>
+                      <a:r>
+                        <a:rPr lang="en-IN" sz="1600" dirty="0"/>
+                        <a:t>C</a:t>
+                      </a:r>
+                      <a:r>
+                        <a:rPr sz="1600" dirty="0" err="1"/>
+                        <a:t>oders</a:t>
+                      </a:r>
+                      <a:endParaRPr sz="1600" dirty="0"/>
+                    </a:p>
+                  </a:txBody>
+                  <a:tcPr marL="0" marR="0" marT="0" marB="0" anchor="ctr">
+                    <a:lnL>
+                      <a:noFill/>
+                    </a:lnL>
+                    <a:lnR>
+                      <a:noFill/>
+                    </a:lnR>
+                    <a:lnT>
+                      <a:noFill/>
+                    </a:lnT>
+                    <a:lnB>
+                      <a:noFill/>
+                    </a:lnB>
+                    <a:noFill/>
+                  </a:tcPr>
+                </a:tc>
+                <a:tc>
+                  <a:txBody>
+                    <a:bodyPr/>
+                    <a:lstStyle/>
+                    <a:p>
+                      <a:pPr marL="285750" indent="-285750">
+                        <a:lnSpc>
+                          <a:spcPct val="100000"/>
+                        </a:lnSpc>
+                        <a:buFont typeface="Wingdings" panose="05000000000000000000" charset="0"/>
+                        <a:buChar char="Ø"/>
+                      </a:pPr>
+                      <a:r>
+                        <a:rPr sz="1600" dirty="0"/>
+                        <a:t>Business </a:t>
+                      </a:r>
+                      <a:r>
+                        <a:rPr lang="en-IN" sz="1600" dirty="0"/>
+                        <a:t>U</a:t>
+                      </a:r>
+                      <a:r>
+                        <a:rPr sz="1600" dirty="0" err="1"/>
+                        <a:t>sers</a:t>
+                      </a:r>
+                      <a:r>
+                        <a:rPr sz="1600" dirty="0"/>
+                        <a:t>, </a:t>
+                      </a:r>
+                      <a:r>
+                        <a:rPr lang="en-IN" sz="1600" dirty="0"/>
+                        <a:t>A</a:t>
+                      </a:r>
+                      <a:r>
+                        <a:rPr sz="1600" dirty="0" err="1"/>
+                        <a:t>nalysts</a:t>
+                      </a:r>
+                      <a:r>
+                        <a:rPr sz="1600" dirty="0"/>
+                        <a:t>, </a:t>
+                      </a:r>
+                      <a:r>
+                        <a:rPr lang="en-IN" sz="1600" dirty="0"/>
+                        <a:t>S</a:t>
+                      </a:r>
+                      <a:r>
+                        <a:rPr sz="1600" dirty="0" err="1"/>
+                        <a:t>tudents</a:t>
+                      </a:r>
+                      <a:r>
+                        <a:rPr lang="en-IN" sz="1600" dirty="0"/>
+                        <a:t> </a:t>
+                      </a:r>
+                      <a:r>
+                        <a:rPr lang="en-US" sz="1600" dirty="0"/>
+                        <a:t>along with Developers and Coders.</a:t>
+                      </a:r>
+                    </a:p>
+                  </a:txBody>
+                  <a:tcPr marL="0" marR="0" marT="0" marB="0" anchor="ctr">
+                    <a:lnL>
+                      <a:noFill/>
+                    </a:lnL>
+                    <a:lnR>
+                      <a:noFill/>
+                    </a:lnR>
+                    <a:lnT>
+                      <a:noFill/>
+                    </a:lnT>
+                    <a:lnB>
+                      <a:noFill/>
+                    </a:lnB>
+                    <a:noFill/>
+                  </a:tcPr>
+                </a:tc>
+                <a:extLst>
+                  <a:ext uri="{0D108BD9-81ED-4DB2-BD59-A6C34878D82A}">
+                    <a16:rowId xmlns:a16="http://schemas.microsoft.com/office/drawing/2014/main" val="10008"/>
+                  </a:ext>
+                </a:extLst>
+              </a:tr>
+            </a:tbl>
+          </a:graphicData>
+        </a:graphic>
+      </p:graphicFrame>
+      <p:sp>
+        <p:nvSpPr>
+          <p:cNvPr id="2" name="Title 4">
             <a:extLst>
               <a:ext uri="{FF2B5EF4-FFF2-40B4-BE49-F238E27FC236}">
-                <a16:creationId xmlns:a16="http://schemas.microsoft.com/office/drawing/2014/main" id="{0A10682D-3B27-EBFE-46FB-FB2AD156C062}"/>
+                <a16:creationId xmlns:a16="http://schemas.microsoft.com/office/drawing/2014/main" id="{E9C1BCD2-E686-C69B-FC0A-76A504233B9E}"/>
               </a:ext>
             </a:extLst>
           </p:cNvPr>
@@ -21756,10 +23201,10 @@
       </p:sp>
       <p:sp>
         <p:nvSpPr>
-          <p:cNvPr id="11" name="Text Placeholder 7">
+          <p:cNvPr id="8" name="Text Placeholder 7">
             <a:extLst>
               <a:ext uri="{FF2B5EF4-FFF2-40B4-BE49-F238E27FC236}">
-                <a16:creationId xmlns:a16="http://schemas.microsoft.com/office/drawing/2014/main" id="{D40396DC-EDD8-FB83-4502-D54BA96C0603}"/>
+                <a16:creationId xmlns:a16="http://schemas.microsoft.com/office/drawing/2014/main" id="{8F51D485-1013-B575-D650-B69DE0486B64}"/>
               </a:ext>
             </a:extLst>
           </p:cNvPr>
@@ -21768,7 +23213,7 @@
         </p:nvSpPr>
         <p:spPr>
           <a:xfrm>
-            <a:off x="570880" y="992146"/>
+            <a:off x="577865" y="985796"/>
             <a:ext cx="11233093" cy="4978400"/>
           </a:xfrm>
           <a:prstGeom prst="rect">
@@ -21984,10 +23429,10 @@
       </p:sp>
       <p:sp>
         <p:nvSpPr>
-          <p:cNvPr id="12" name="Rectangle 11">
+          <p:cNvPr id="9" name="Rectangle 8">
             <a:extLst>
               <a:ext uri="{FF2B5EF4-FFF2-40B4-BE49-F238E27FC236}">
-                <a16:creationId xmlns:a16="http://schemas.microsoft.com/office/drawing/2014/main" id="{56A9D40B-8D3A-0C3F-DA77-CAD6EE457CC0}"/>
+                <a16:creationId xmlns:a16="http://schemas.microsoft.com/office/drawing/2014/main" id="{D90947C3-76DF-F5ED-891C-A1B0FDF09EC3}"/>
               </a:ext>
             </a:extLst>
           </p:cNvPr>
@@ -22040,601 +23485,6 @@
           </a:p>
         </p:txBody>
       </p:sp>
-    </p:spTree>
-    <p:extLst>
-      <p:ext uri="{BB962C8B-B14F-4D97-AF65-F5344CB8AC3E}">
-        <p14:creationId xmlns:p14="http://schemas.microsoft.com/office/powerpoint/2010/main" val="1102860684"/>
-      </p:ext>
-    </p:extLst>
-  </p:cSld>
-  <p:clrMapOvr>
-    <a:masterClrMapping/>
-  </p:clrMapOvr>
-  <mc:AlternateContent xmlns:mc="http://schemas.openxmlformats.org/markup-compatibility/2006" xmlns:p14="http://schemas.microsoft.com/office/powerpoint/2010/main">
-    <mc:Choice Requires="p14">
-      <p:transition spd="med" p14:dur="700">
-        <p:fade/>
-      </p:transition>
-    </mc:Choice>
-    <mc:Fallback xmlns="">
-      <p:transition spd="med">
-        <p:fade/>
-      </p:transition>
-    </mc:Fallback>
-  </mc:AlternateContent>
-</p:sld>
-</file>
-
-<file path=ppt/slides/slide11.xml><?xml version="1.0" encoding="utf-8"?>
-<p:sld xmlns:a="http://schemas.openxmlformats.org/drawingml/2006/main" xmlns:r="http://schemas.openxmlformats.org/officeDocument/2006/relationships" xmlns:p="http://schemas.openxmlformats.org/presentationml/2006/main">
-  <p:cSld>
-    <p:spTree>
-      <p:nvGrpSpPr>
-        <p:cNvPr id="1" name=""/>
-        <p:cNvGrpSpPr/>
-        <p:nvPr/>
-      </p:nvGrpSpPr>
-      <p:grpSpPr>
-        <a:xfrm>
-          <a:off x="0" y="0"/>
-          <a:ext cx="0" cy="0"/>
-          <a:chOff x="0" y="0"/>
-          <a:chExt cx="0" cy="0"/>
-        </a:xfrm>
-      </p:grpSpPr>
-      <p:sp>
-        <p:nvSpPr>
-          <p:cNvPr id="4" name="Title 4"/>
-          <p:cNvSpPr txBox="1"/>
-          <p:nvPr/>
-        </p:nvSpPr>
-        <p:spPr>
-          <a:xfrm>
-            <a:off x="232198" y="265558"/>
-            <a:ext cx="11423555" cy="300880"/>
-          </a:xfrm>
-          <a:prstGeom prst="rect">
-            <a:avLst/>
-          </a:prstGeom>
-        </p:spPr>
-        <p:txBody>
-          <a:bodyPr anchor="t" anchorCtr="0"/>
-          <a:lstStyle>
-            <a:lvl1pPr algn="l" defTabSz="914400" rtl="0" eaLnBrk="1" latinLnBrk="0" hangingPunct="1">
-              <a:lnSpc>
-                <a:spcPct val="80000"/>
-              </a:lnSpc>
-              <a:spcBef>
-                <a:spcPct val="0"/>
-              </a:spcBef>
-              <a:buNone/>
-              <a:defRPr sz="4400" b="0" kern="1200" cap="all" baseline="0">
-                <a:solidFill>
-                  <a:sysClr val="windowText" lastClr="000000"/>
-                </a:solidFill>
-                <a:latin typeface="MetricHPE Black" panose="020B0803030202060203" pitchFamily="34" charset="0"/>
-                <a:ea typeface="+mj-ea"/>
-                <a:cs typeface="+mj-cs"/>
-              </a:defRPr>
-            </a:lvl1pPr>
-          </a:lstStyle>
-          <a:p>
-            <a:pPr lvl="0">
-              <a:defRPr/>
-            </a:pPr>
-            <a:r>
-              <a:rPr lang="en-US" sz="2400" dirty="0"/>
-              <a:t>Text-2-SQL, Text-2-PL/SQL code generation and execution</a:t>
-            </a:r>
-            <a:endParaRPr kumimoji="0" lang="en-US" sz="2400" b="0" i="0" u="none" strike="noStrike" kern="1200" cap="all" spc="0" normalizeH="0" baseline="0" noProof="0" dirty="0">
-              <a:ln>
-                <a:noFill/>
-              </a:ln>
-              <a:solidFill>
-                <a:sysClr val="windowText" lastClr="000000"/>
-              </a:solidFill>
-              <a:effectLst/>
-              <a:uLnTx/>
-              <a:uFillTx/>
-              <a:latin typeface="MetricHPE Black" panose="020B0803030202060203" pitchFamily="34" charset="0"/>
-              <a:ea typeface="+mj-ea"/>
-              <a:cs typeface="+mj-cs"/>
-            </a:endParaRPr>
-          </a:p>
-        </p:txBody>
-      </p:sp>
-      <p:sp>
-        <p:nvSpPr>
-          <p:cNvPr id="12" name="Text Placeholder 7"/>
-          <p:cNvSpPr txBox="1"/>
-          <p:nvPr/>
-        </p:nvSpPr>
-        <p:spPr>
-          <a:xfrm>
-            <a:off x="570880" y="985520"/>
-            <a:ext cx="11233093" cy="4978400"/>
-          </a:xfrm>
-          <a:prstGeom prst="rect">
-            <a:avLst/>
-          </a:prstGeom>
-          <a:ln w="19050">
-            <a:solidFill>
-              <a:schemeClr val="tx1"/>
-            </a:solidFill>
-          </a:ln>
-        </p:spPr>
-        <p:txBody>
-          <a:bodyPr>
-            <a:noAutofit/>
-          </a:bodyPr>
-          <a:lstStyle>
-            <a:lvl1pPr marL="0" indent="0" algn="l" defTabSz="914400" rtl="0" eaLnBrk="1" latinLnBrk="0" hangingPunct="1">
-              <a:lnSpc>
-                <a:spcPct val="90000"/>
-              </a:lnSpc>
-              <a:spcBef>
-                <a:spcPts val="0"/>
-              </a:spcBef>
-              <a:buClrTx/>
-              <a:buNone/>
-              <a:defRPr sz="2200" kern="1200" baseline="0">
-                <a:solidFill>
-                  <a:schemeClr val="tx1"/>
-                </a:solidFill>
-                <a:latin typeface="MetricHPE" panose="020B0503030202060203" pitchFamily="34" charset="0"/>
-                <a:ea typeface="+mn-ea"/>
-                <a:cs typeface="+mn-cs"/>
-              </a:defRPr>
-            </a:lvl1pPr>
-            <a:lvl2pPr marL="0" indent="0" algn="l" defTabSz="914400" rtl="0" eaLnBrk="1" latinLnBrk="0" hangingPunct="1">
-              <a:lnSpc>
-                <a:spcPct val="90000"/>
-              </a:lnSpc>
-              <a:spcBef>
-                <a:spcPts val="0"/>
-              </a:spcBef>
-              <a:buClrTx/>
-              <a:buSzPct val="90000"/>
-              <a:buNone/>
-              <a:defRPr sz="2400" kern="1200">
-                <a:solidFill>
-                  <a:schemeClr val="tx1"/>
-                </a:solidFill>
-                <a:latin typeface="MetricHPE" panose="020B0503030202060203" pitchFamily="34" charset="0"/>
-                <a:ea typeface="+mn-ea"/>
-                <a:cs typeface="+mn-cs"/>
-              </a:defRPr>
-            </a:lvl2pPr>
-            <a:lvl3pPr marL="0" indent="0" algn="l" defTabSz="914400" rtl="0" eaLnBrk="1" latinLnBrk="0" hangingPunct="1">
-              <a:lnSpc>
-                <a:spcPct val="90000"/>
-              </a:lnSpc>
-              <a:spcBef>
-                <a:spcPts val="0"/>
-              </a:spcBef>
-              <a:buClrTx/>
-              <a:buNone/>
-              <a:defRPr sz="2400" kern="1200">
-                <a:solidFill>
-                  <a:schemeClr val="tx1"/>
-                </a:solidFill>
-                <a:latin typeface="MetricHPE" panose="020B0503030202060203" pitchFamily="34" charset="0"/>
-                <a:ea typeface="+mn-ea"/>
-                <a:cs typeface="+mn-cs"/>
-              </a:defRPr>
-            </a:lvl3pPr>
-            <a:lvl4pPr marL="0" indent="0" algn="l" defTabSz="914400" rtl="0" eaLnBrk="1" latinLnBrk="0" hangingPunct="1">
-              <a:lnSpc>
-                <a:spcPct val="90000"/>
-              </a:lnSpc>
-              <a:spcBef>
-                <a:spcPts val="0"/>
-              </a:spcBef>
-              <a:buClrTx/>
-              <a:buNone/>
-              <a:defRPr sz="2400" kern="1200">
-                <a:solidFill>
-                  <a:schemeClr val="tx1"/>
-                </a:solidFill>
-                <a:latin typeface="MetricHPE" panose="020B0503030202060203" pitchFamily="34" charset="0"/>
-                <a:ea typeface="+mn-ea"/>
-                <a:cs typeface="+mn-cs"/>
-              </a:defRPr>
-            </a:lvl4pPr>
-            <a:lvl5pPr marL="0" indent="0" algn="l" defTabSz="914400" rtl="0" eaLnBrk="1" latinLnBrk="0" hangingPunct="1">
-              <a:lnSpc>
-                <a:spcPct val="90000"/>
-              </a:lnSpc>
-              <a:spcBef>
-                <a:spcPts val="0"/>
-              </a:spcBef>
-              <a:buClrTx/>
-              <a:buNone/>
-              <a:defRPr sz="2400" kern="1200">
-                <a:solidFill>
-                  <a:schemeClr val="tx1"/>
-                </a:solidFill>
-                <a:latin typeface="MetricHPE" panose="020B0503030202060203" pitchFamily="34" charset="0"/>
-                <a:ea typeface="+mn-ea"/>
-                <a:cs typeface="+mn-cs"/>
-              </a:defRPr>
-            </a:lvl5pPr>
-            <a:lvl6pPr marL="0" indent="0" algn="l" defTabSz="914400" rtl="0" eaLnBrk="1" latinLnBrk="0" hangingPunct="1">
-              <a:lnSpc>
-                <a:spcPct val="90000"/>
-              </a:lnSpc>
-              <a:spcBef>
-                <a:spcPts val="0"/>
-              </a:spcBef>
-              <a:buClrTx/>
-              <a:buNone/>
-              <a:defRPr sz="2400" kern="1200">
-                <a:solidFill>
-                  <a:schemeClr val="tx1"/>
-                </a:solidFill>
-                <a:latin typeface="+mn-lt"/>
-                <a:ea typeface="+mn-ea"/>
-                <a:cs typeface="+mn-cs"/>
-              </a:defRPr>
-            </a:lvl6pPr>
-            <a:lvl7pPr marL="0" indent="0" algn="l" defTabSz="914400" rtl="0" eaLnBrk="1" latinLnBrk="0" hangingPunct="1">
-              <a:lnSpc>
-                <a:spcPct val="90000"/>
-              </a:lnSpc>
-              <a:spcBef>
-                <a:spcPts val="0"/>
-              </a:spcBef>
-              <a:buClrTx/>
-              <a:buNone/>
-              <a:defRPr sz="2400" kern="1200">
-                <a:solidFill>
-                  <a:schemeClr val="tx1"/>
-                </a:solidFill>
-                <a:latin typeface="+mn-lt"/>
-                <a:ea typeface="+mn-ea"/>
-                <a:cs typeface="+mn-cs"/>
-              </a:defRPr>
-            </a:lvl7pPr>
-            <a:lvl8pPr marL="0" indent="0" algn="l" defTabSz="914400" rtl="0" eaLnBrk="1" latinLnBrk="0" hangingPunct="1">
-              <a:lnSpc>
-                <a:spcPct val="90000"/>
-              </a:lnSpc>
-              <a:spcBef>
-                <a:spcPts val="0"/>
-              </a:spcBef>
-              <a:buClrTx/>
-              <a:buNone/>
-              <a:defRPr sz="2400" kern="1200">
-                <a:solidFill>
-                  <a:schemeClr val="tx1"/>
-                </a:solidFill>
-                <a:latin typeface="+mn-lt"/>
-                <a:ea typeface="+mn-ea"/>
-                <a:cs typeface="+mn-cs"/>
-              </a:defRPr>
-            </a:lvl8pPr>
-            <a:lvl9pPr marL="0" indent="0" algn="l" defTabSz="914400" rtl="0" eaLnBrk="1" latinLnBrk="0" hangingPunct="1">
-              <a:lnSpc>
-                <a:spcPct val="90000"/>
-              </a:lnSpc>
-              <a:spcBef>
-                <a:spcPts val="0"/>
-              </a:spcBef>
-              <a:buClrTx/>
-              <a:buNone/>
-              <a:defRPr sz="2400" kern="1200">
-                <a:solidFill>
-                  <a:schemeClr val="tx1"/>
-                </a:solidFill>
-                <a:latin typeface="+mn-lt"/>
-                <a:ea typeface="+mn-ea"/>
-                <a:cs typeface="+mn-cs"/>
-              </a:defRPr>
-            </a:lvl9pPr>
-          </a:lstStyle>
-          <a:p>
-            <a:pPr marL="0" marR="0" lvl="0" indent="0" algn="l" defTabSz="914400" rtl="0" eaLnBrk="1" fontAlgn="auto" latinLnBrk="0" hangingPunct="1">
-              <a:lnSpc>
-                <a:spcPct val="90000"/>
-              </a:lnSpc>
-              <a:spcBef>
-                <a:spcPts val="0"/>
-              </a:spcBef>
-              <a:spcAft>
-                <a:spcPts val="0"/>
-              </a:spcAft>
-              <a:buClrTx/>
-              <a:buSzTx/>
-              <a:buNone/>
-              <a:defRPr/>
-            </a:pPr>
-            <a:endParaRPr kumimoji="0" lang="en-US" sz="2200" b="0" i="0" u="none" strike="noStrike" kern="1200" cap="none" spc="0" normalizeH="0" baseline="0" noProof="0" dirty="0">
-              <a:ln>
-                <a:noFill/>
-              </a:ln>
-              <a:solidFill>
-                <a:prstClr val="black"/>
-              </a:solidFill>
-              <a:effectLst/>
-              <a:uLnTx/>
-              <a:uFillTx/>
-              <a:latin typeface="MetricHPE" panose="020B0503030202060203" pitchFamily="34" charset="0"/>
-              <a:ea typeface="+mn-ea"/>
-              <a:cs typeface="+mn-cs"/>
-            </a:endParaRPr>
-          </a:p>
-        </p:txBody>
-      </p:sp>
-      <p:sp>
-        <p:nvSpPr>
-          <p:cNvPr id="6" name="TextBox 5"/>
-          <p:cNvSpPr txBox="1"/>
-          <p:nvPr/>
-        </p:nvSpPr>
-        <p:spPr>
-          <a:xfrm>
-            <a:off x="570880" y="950308"/>
-            <a:ext cx="11233093" cy="4274185"/>
-          </a:xfrm>
-          <a:prstGeom prst="rect">
-            <a:avLst/>
-          </a:prstGeom>
-          <a:noFill/>
-          <a:ln w="57150">
-            <a:noFill/>
-            <a:miter lim="800000"/>
-          </a:ln>
-        </p:spPr>
-        <p:txBody>
-          <a:bodyPr wrap="square" lIns="91440" tIns="91440" rIns="91440" bIns="91440" rtlCol="0">
-            <a:spAutoFit/>
-          </a:bodyPr>
-          <a:lstStyle/>
-          <a:p>
-            <a:pPr>
-              <a:lnSpc>
-                <a:spcPct val="90000"/>
-              </a:lnSpc>
-              <a:spcBef>
-                <a:spcPts val="400"/>
-              </a:spcBef>
-            </a:pPr>
-            <a:r>
-              <a:rPr lang="en-US" b="1" dirty="0"/>
-              <a:t>         Key Learnings</a:t>
-            </a:r>
-            <a:r>
-              <a:rPr lang="en-US" dirty="0"/>
-              <a:t>:</a:t>
-            </a:r>
-          </a:p>
-          <a:p>
-            <a:pPr>
-              <a:lnSpc>
-                <a:spcPct val="90000"/>
-              </a:lnSpc>
-              <a:spcBef>
-                <a:spcPts val="400"/>
-              </a:spcBef>
-            </a:pPr>
-            <a:endParaRPr lang="en-US" dirty="0"/>
-          </a:p>
-          <a:p>
-            <a:pPr marL="742950" lvl="1" indent="-285750" algn="just">
-              <a:lnSpc>
-                <a:spcPct val="90000"/>
-              </a:lnSpc>
-              <a:spcBef>
-                <a:spcPts val="400"/>
-              </a:spcBef>
-              <a:buFont typeface="Arial" panose="020B0604020202020204" pitchFamily="34" charset="0"/>
-              <a:buChar char="•"/>
-            </a:pPr>
-            <a:r>
-              <a:rPr lang="en-US" sz="1600" dirty="0"/>
-              <a:t>Gained hands-on experience with Generative AI and Large Language Models (LLMs) for structured query generation.</a:t>
-            </a:r>
-          </a:p>
-          <a:p>
-            <a:pPr marL="742950" lvl="1" indent="-285750" algn="just">
-              <a:lnSpc>
-                <a:spcPct val="90000"/>
-              </a:lnSpc>
-              <a:spcBef>
-                <a:spcPts val="400"/>
-              </a:spcBef>
-              <a:buFont typeface="Arial" panose="020B0604020202020204" pitchFamily="34" charset="0"/>
-              <a:buChar char="•"/>
-            </a:pPr>
-            <a:endParaRPr lang="en-US" sz="1600" dirty="0"/>
-          </a:p>
-          <a:p>
-            <a:pPr marL="742950" lvl="1" indent="-285750" algn="just">
-              <a:lnSpc>
-                <a:spcPct val="90000"/>
-              </a:lnSpc>
-              <a:spcBef>
-                <a:spcPts val="400"/>
-              </a:spcBef>
-              <a:buFont typeface="Arial" panose="020B0604020202020204" pitchFamily="34" charset="0"/>
-              <a:buChar char="•"/>
-            </a:pPr>
-            <a:r>
-              <a:rPr lang="en-US" sz="1600" dirty="0"/>
-              <a:t>Understood the limitations of baseline models like Wiki-SQL and how advanced models solve real-world constraints.</a:t>
-            </a:r>
-          </a:p>
-          <a:p>
-            <a:pPr marL="742950" lvl="1" indent="-285750" algn="just">
-              <a:lnSpc>
-                <a:spcPct val="90000"/>
-              </a:lnSpc>
-              <a:spcBef>
-                <a:spcPts val="400"/>
-              </a:spcBef>
-              <a:buFont typeface="Arial" panose="020B0604020202020204" pitchFamily="34" charset="0"/>
-              <a:buChar char="•"/>
-            </a:pPr>
-            <a:endParaRPr lang="en-US" sz="1600" dirty="0"/>
-          </a:p>
-          <a:p>
-            <a:pPr marL="742950" lvl="1" indent="-285750" algn="just">
-              <a:lnSpc>
-                <a:spcPct val="90000"/>
-              </a:lnSpc>
-              <a:spcBef>
-                <a:spcPts val="400"/>
-              </a:spcBef>
-              <a:buFont typeface="Arial" panose="020B0604020202020204" pitchFamily="34" charset="0"/>
-              <a:buChar char="•"/>
-            </a:pPr>
-            <a:r>
-              <a:rPr lang="en-US" sz="1600" dirty="0"/>
-              <a:t>Learned to deploy LLMs locally with quantization to balance performance and resource usage.</a:t>
-            </a:r>
-          </a:p>
-          <a:p>
-            <a:pPr marL="742950" lvl="1" indent="-285750" algn="just">
-              <a:lnSpc>
-                <a:spcPct val="90000"/>
-              </a:lnSpc>
-              <a:spcBef>
-                <a:spcPts val="400"/>
-              </a:spcBef>
-              <a:buFont typeface="Arial" panose="020B0604020202020204" pitchFamily="34" charset="0"/>
-              <a:buChar char="•"/>
-            </a:pPr>
-            <a:endParaRPr lang="en-US" sz="1600" dirty="0"/>
-          </a:p>
-          <a:p>
-            <a:pPr marL="742950" lvl="1" indent="-285750" algn="just">
-              <a:lnSpc>
-                <a:spcPct val="90000"/>
-              </a:lnSpc>
-              <a:spcBef>
-                <a:spcPts val="400"/>
-              </a:spcBef>
-              <a:buFont typeface="Arial" panose="020B0604020202020204" pitchFamily="34" charset="0"/>
-              <a:buChar char="•"/>
-            </a:pPr>
-            <a:r>
-              <a:rPr lang="en-US" sz="1600" dirty="0"/>
-              <a:t>Implemented schema-aware prompt engineering and RAG, which significantly improved query relevance and reduced hallucinations.</a:t>
-            </a:r>
-          </a:p>
-          <a:p>
-            <a:pPr marL="742950" lvl="1" indent="-285750" algn="just">
-              <a:lnSpc>
-                <a:spcPct val="90000"/>
-              </a:lnSpc>
-              <a:spcBef>
-                <a:spcPts val="400"/>
-              </a:spcBef>
-              <a:buFont typeface="Arial" panose="020B0604020202020204" pitchFamily="34" charset="0"/>
-              <a:buChar char="•"/>
-            </a:pPr>
-            <a:endParaRPr lang="en-US" sz="1600" dirty="0"/>
-          </a:p>
-          <a:p>
-            <a:pPr marL="742950" lvl="1" indent="-285750" algn="just">
-              <a:lnSpc>
-                <a:spcPct val="90000"/>
-              </a:lnSpc>
-              <a:spcBef>
-                <a:spcPts val="400"/>
-              </a:spcBef>
-              <a:buFont typeface="Arial" panose="020B0604020202020204" pitchFamily="34" charset="0"/>
-              <a:buChar char="•"/>
-            </a:pPr>
-            <a:r>
-              <a:rPr lang="en-US" sz="1600" dirty="0"/>
-              <a:t>Developed a full-stack system with Stream lit (frontend) and FastAPI (backend) for real-time interaction.</a:t>
-            </a:r>
-          </a:p>
-          <a:p>
-            <a:pPr marL="742950" lvl="1" indent="-285750" algn="just">
-              <a:lnSpc>
-                <a:spcPct val="90000"/>
-              </a:lnSpc>
-              <a:spcBef>
-                <a:spcPts val="400"/>
-              </a:spcBef>
-              <a:buFont typeface="Arial" panose="020B0604020202020204" pitchFamily="34" charset="0"/>
-              <a:buChar char="•"/>
-            </a:pPr>
-            <a:endParaRPr lang="en-US" sz="1600" dirty="0"/>
-          </a:p>
-          <a:p>
-            <a:pPr marL="742950" lvl="1" indent="-285750" algn="just">
-              <a:lnSpc>
-                <a:spcPct val="90000"/>
-              </a:lnSpc>
-              <a:spcBef>
-                <a:spcPts val="400"/>
-              </a:spcBef>
-              <a:buFont typeface="Arial" panose="020B0604020202020204" pitchFamily="34" charset="0"/>
-              <a:buChar char="•"/>
-            </a:pPr>
-            <a:r>
-              <a:rPr lang="en-US" sz="1600" dirty="0"/>
-              <a:t>Realized the importance of Chain-of-Thought reasoning in improving model explainability and trustworthiness.</a:t>
-            </a:r>
-          </a:p>
-          <a:p>
-            <a:pPr marL="742950" lvl="1" indent="-285750" algn="just">
-              <a:lnSpc>
-                <a:spcPct val="90000"/>
-              </a:lnSpc>
-              <a:spcBef>
-                <a:spcPts val="400"/>
-              </a:spcBef>
-              <a:buFont typeface="Arial" panose="020B0604020202020204" pitchFamily="34" charset="0"/>
-              <a:buChar char="•"/>
-            </a:pPr>
-            <a:endParaRPr lang="en-US" sz="1600" dirty="0"/>
-          </a:p>
-          <a:p>
-            <a:pPr marL="742950" lvl="1" indent="-285750" algn="just">
-              <a:lnSpc>
-                <a:spcPct val="90000"/>
-              </a:lnSpc>
-              <a:spcBef>
-                <a:spcPts val="400"/>
-              </a:spcBef>
-              <a:buFont typeface="Arial" panose="020B0604020202020204" pitchFamily="34" charset="0"/>
-              <a:buChar char="•"/>
-            </a:pPr>
-            <a:r>
-              <a:rPr lang="en-US" sz="1600" dirty="0"/>
-              <a:t>Improved collaboration and project planning skills through phased development, model comparison, and iterative improvements.</a:t>
-            </a:r>
-          </a:p>
-        </p:txBody>
-      </p:sp>
-      <p:pic>
-        <p:nvPicPr>
-          <p:cNvPr id="2" name="Picture 1" descr="icons8-key-50"/>
-          <p:cNvPicPr>
-            <a:picLocks noChangeAspect="1"/>
-          </p:cNvPicPr>
-          <p:nvPr/>
-        </p:nvPicPr>
-        <p:blipFill>
-          <a:blip r:embed="rId2"/>
-          <a:stretch>
-            <a:fillRect/>
-          </a:stretch>
-        </p:blipFill>
-        <p:spPr>
-          <a:xfrm>
-            <a:off x="673502" y="1084775"/>
-            <a:ext cx="285750" cy="211455"/>
-          </a:xfrm>
-          <a:prstGeom prst="rect">
-            <a:avLst/>
-          </a:prstGeom>
-        </p:spPr>
-      </p:pic>
     </p:spTree>
   </p:cSld>
   <p:clrMapOvr>
@@ -22742,6 +23592,596 @@
         <p:spPr>
           <a:xfrm>
             <a:off x="570880" y="985520"/>
+            <a:ext cx="11233093" cy="4978400"/>
+          </a:xfrm>
+          <a:prstGeom prst="rect">
+            <a:avLst/>
+          </a:prstGeom>
+          <a:ln w="19050">
+            <a:solidFill>
+              <a:schemeClr val="tx1"/>
+            </a:solidFill>
+          </a:ln>
+        </p:spPr>
+        <p:txBody>
+          <a:bodyPr>
+            <a:noAutofit/>
+          </a:bodyPr>
+          <a:lstStyle>
+            <a:lvl1pPr marL="0" indent="0" algn="l" defTabSz="914400" rtl="0" eaLnBrk="1" latinLnBrk="0" hangingPunct="1">
+              <a:lnSpc>
+                <a:spcPct val="90000"/>
+              </a:lnSpc>
+              <a:spcBef>
+                <a:spcPts val="0"/>
+              </a:spcBef>
+              <a:buClrTx/>
+              <a:buNone/>
+              <a:defRPr sz="2200" kern="1200" baseline="0">
+                <a:solidFill>
+                  <a:schemeClr val="tx1"/>
+                </a:solidFill>
+                <a:latin typeface="MetricHPE" panose="020B0503030202060203" pitchFamily="34" charset="0"/>
+                <a:ea typeface="+mn-ea"/>
+                <a:cs typeface="+mn-cs"/>
+              </a:defRPr>
+            </a:lvl1pPr>
+            <a:lvl2pPr marL="0" indent="0" algn="l" defTabSz="914400" rtl="0" eaLnBrk="1" latinLnBrk="0" hangingPunct="1">
+              <a:lnSpc>
+                <a:spcPct val="90000"/>
+              </a:lnSpc>
+              <a:spcBef>
+                <a:spcPts val="0"/>
+              </a:spcBef>
+              <a:buClrTx/>
+              <a:buSzPct val="90000"/>
+              <a:buNone/>
+              <a:defRPr sz="2400" kern="1200">
+                <a:solidFill>
+                  <a:schemeClr val="tx1"/>
+                </a:solidFill>
+                <a:latin typeface="MetricHPE" panose="020B0503030202060203" pitchFamily="34" charset="0"/>
+                <a:ea typeface="+mn-ea"/>
+                <a:cs typeface="+mn-cs"/>
+              </a:defRPr>
+            </a:lvl2pPr>
+            <a:lvl3pPr marL="0" indent="0" algn="l" defTabSz="914400" rtl="0" eaLnBrk="1" latinLnBrk="0" hangingPunct="1">
+              <a:lnSpc>
+                <a:spcPct val="90000"/>
+              </a:lnSpc>
+              <a:spcBef>
+                <a:spcPts val="0"/>
+              </a:spcBef>
+              <a:buClrTx/>
+              <a:buNone/>
+              <a:defRPr sz="2400" kern="1200">
+                <a:solidFill>
+                  <a:schemeClr val="tx1"/>
+                </a:solidFill>
+                <a:latin typeface="MetricHPE" panose="020B0503030202060203" pitchFamily="34" charset="0"/>
+                <a:ea typeface="+mn-ea"/>
+                <a:cs typeface="+mn-cs"/>
+              </a:defRPr>
+            </a:lvl3pPr>
+            <a:lvl4pPr marL="0" indent="0" algn="l" defTabSz="914400" rtl="0" eaLnBrk="1" latinLnBrk="0" hangingPunct="1">
+              <a:lnSpc>
+                <a:spcPct val="90000"/>
+              </a:lnSpc>
+              <a:spcBef>
+                <a:spcPts val="0"/>
+              </a:spcBef>
+              <a:buClrTx/>
+              <a:buNone/>
+              <a:defRPr sz="2400" kern="1200">
+                <a:solidFill>
+                  <a:schemeClr val="tx1"/>
+                </a:solidFill>
+                <a:latin typeface="MetricHPE" panose="020B0503030202060203" pitchFamily="34" charset="0"/>
+                <a:ea typeface="+mn-ea"/>
+                <a:cs typeface="+mn-cs"/>
+              </a:defRPr>
+            </a:lvl4pPr>
+            <a:lvl5pPr marL="0" indent="0" algn="l" defTabSz="914400" rtl="0" eaLnBrk="1" latinLnBrk="0" hangingPunct="1">
+              <a:lnSpc>
+                <a:spcPct val="90000"/>
+              </a:lnSpc>
+              <a:spcBef>
+                <a:spcPts val="0"/>
+              </a:spcBef>
+              <a:buClrTx/>
+              <a:buNone/>
+              <a:defRPr sz="2400" kern="1200">
+                <a:solidFill>
+                  <a:schemeClr val="tx1"/>
+                </a:solidFill>
+                <a:latin typeface="MetricHPE" panose="020B0503030202060203" pitchFamily="34" charset="0"/>
+                <a:ea typeface="+mn-ea"/>
+                <a:cs typeface="+mn-cs"/>
+              </a:defRPr>
+            </a:lvl5pPr>
+            <a:lvl6pPr marL="0" indent="0" algn="l" defTabSz="914400" rtl="0" eaLnBrk="1" latinLnBrk="0" hangingPunct="1">
+              <a:lnSpc>
+                <a:spcPct val="90000"/>
+              </a:lnSpc>
+              <a:spcBef>
+                <a:spcPts val="0"/>
+              </a:spcBef>
+              <a:buClrTx/>
+              <a:buNone/>
+              <a:defRPr sz="2400" kern="1200">
+                <a:solidFill>
+                  <a:schemeClr val="tx1"/>
+                </a:solidFill>
+                <a:latin typeface="+mn-lt"/>
+                <a:ea typeface="+mn-ea"/>
+                <a:cs typeface="+mn-cs"/>
+              </a:defRPr>
+            </a:lvl6pPr>
+            <a:lvl7pPr marL="0" indent="0" algn="l" defTabSz="914400" rtl="0" eaLnBrk="1" latinLnBrk="0" hangingPunct="1">
+              <a:lnSpc>
+                <a:spcPct val="90000"/>
+              </a:lnSpc>
+              <a:spcBef>
+                <a:spcPts val="0"/>
+              </a:spcBef>
+              <a:buClrTx/>
+              <a:buNone/>
+              <a:defRPr sz="2400" kern="1200">
+                <a:solidFill>
+                  <a:schemeClr val="tx1"/>
+                </a:solidFill>
+                <a:latin typeface="+mn-lt"/>
+                <a:ea typeface="+mn-ea"/>
+                <a:cs typeface="+mn-cs"/>
+              </a:defRPr>
+            </a:lvl7pPr>
+            <a:lvl8pPr marL="0" indent="0" algn="l" defTabSz="914400" rtl="0" eaLnBrk="1" latinLnBrk="0" hangingPunct="1">
+              <a:lnSpc>
+                <a:spcPct val="90000"/>
+              </a:lnSpc>
+              <a:spcBef>
+                <a:spcPts val="0"/>
+              </a:spcBef>
+              <a:buClrTx/>
+              <a:buNone/>
+              <a:defRPr sz="2400" kern="1200">
+                <a:solidFill>
+                  <a:schemeClr val="tx1"/>
+                </a:solidFill>
+                <a:latin typeface="+mn-lt"/>
+                <a:ea typeface="+mn-ea"/>
+                <a:cs typeface="+mn-cs"/>
+              </a:defRPr>
+            </a:lvl8pPr>
+            <a:lvl9pPr marL="0" indent="0" algn="l" defTabSz="914400" rtl="0" eaLnBrk="1" latinLnBrk="0" hangingPunct="1">
+              <a:lnSpc>
+                <a:spcPct val="90000"/>
+              </a:lnSpc>
+              <a:spcBef>
+                <a:spcPts val="0"/>
+              </a:spcBef>
+              <a:buClrTx/>
+              <a:buNone/>
+              <a:defRPr sz="2400" kern="1200">
+                <a:solidFill>
+                  <a:schemeClr val="tx1"/>
+                </a:solidFill>
+                <a:latin typeface="+mn-lt"/>
+                <a:ea typeface="+mn-ea"/>
+                <a:cs typeface="+mn-cs"/>
+              </a:defRPr>
+            </a:lvl9pPr>
+          </a:lstStyle>
+          <a:p>
+            <a:pPr marL="0" marR="0" lvl="0" indent="0" algn="l" defTabSz="914400" rtl="0" eaLnBrk="1" fontAlgn="auto" latinLnBrk="0" hangingPunct="1">
+              <a:lnSpc>
+                <a:spcPct val="90000"/>
+              </a:lnSpc>
+              <a:spcBef>
+                <a:spcPts val="0"/>
+              </a:spcBef>
+              <a:spcAft>
+                <a:spcPts val="0"/>
+              </a:spcAft>
+              <a:buClrTx/>
+              <a:buSzTx/>
+              <a:buNone/>
+              <a:defRPr/>
+            </a:pPr>
+            <a:endParaRPr kumimoji="0" lang="en-US" sz="2200" b="0" i="0" u="none" strike="noStrike" kern="1200" cap="none" spc="0" normalizeH="0" baseline="0" noProof="0" dirty="0">
+              <a:ln>
+                <a:noFill/>
+              </a:ln>
+              <a:solidFill>
+                <a:prstClr val="black"/>
+              </a:solidFill>
+              <a:effectLst/>
+              <a:uLnTx/>
+              <a:uFillTx/>
+              <a:latin typeface="MetricHPE" panose="020B0503030202060203" pitchFamily="34" charset="0"/>
+              <a:ea typeface="+mn-ea"/>
+              <a:cs typeface="+mn-cs"/>
+            </a:endParaRPr>
+          </a:p>
+        </p:txBody>
+      </p:sp>
+      <p:sp>
+        <p:nvSpPr>
+          <p:cNvPr id="6" name="TextBox 5"/>
+          <p:cNvSpPr txBox="1"/>
+          <p:nvPr/>
+        </p:nvSpPr>
+        <p:spPr>
+          <a:xfrm>
+            <a:off x="570880" y="950308"/>
+            <a:ext cx="11233093" cy="4274185"/>
+          </a:xfrm>
+          <a:prstGeom prst="rect">
+            <a:avLst/>
+          </a:prstGeom>
+          <a:noFill/>
+          <a:ln w="57150">
+            <a:noFill/>
+            <a:miter lim="800000"/>
+          </a:ln>
+        </p:spPr>
+        <p:txBody>
+          <a:bodyPr wrap="square" lIns="91440" tIns="91440" rIns="91440" bIns="91440" rtlCol="0">
+            <a:spAutoFit/>
+          </a:bodyPr>
+          <a:lstStyle/>
+          <a:p>
+            <a:pPr>
+              <a:lnSpc>
+                <a:spcPct val="90000"/>
+              </a:lnSpc>
+              <a:spcBef>
+                <a:spcPts val="400"/>
+              </a:spcBef>
+            </a:pPr>
+            <a:r>
+              <a:rPr lang="en-US" b="1" dirty="0"/>
+              <a:t>         Key Learnings</a:t>
+            </a:r>
+            <a:r>
+              <a:rPr lang="en-US" dirty="0"/>
+              <a:t>:</a:t>
+            </a:r>
+          </a:p>
+          <a:p>
+            <a:pPr>
+              <a:lnSpc>
+                <a:spcPct val="90000"/>
+              </a:lnSpc>
+              <a:spcBef>
+                <a:spcPts val="400"/>
+              </a:spcBef>
+            </a:pPr>
+            <a:endParaRPr lang="en-US" dirty="0"/>
+          </a:p>
+          <a:p>
+            <a:pPr marL="742950" lvl="1" indent="-285750" algn="just">
+              <a:lnSpc>
+                <a:spcPct val="90000"/>
+              </a:lnSpc>
+              <a:spcBef>
+                <a:spcPts val="400"/>
+              </a:spcBef>
+              <a:buFont typeface="Arial" panose="020B0604020202020204" pitchFamily="34" charset="0"/>
+              <a:buChar char="•"/>
+            </a:pPr>
+            <a:r>
+              <a:rPr lang="en-US" sz="1600" dirty="0"/>
+              <a:t>Gained hands-on experience with Generative AI and Large Language Models (LLMs) for structured query generation.</a:t>
+            </a:r>
+          </a:p>
+          <a:p>
+            <a:pPr marL="742950" lvl="1" indent="-285750" algn="just">
+              <a:lnSpc>
+                <a:spcPct val="90000"/>
+              </a:lnSpc>
+              <a:spcBef>
+                <a:spcPts val="400"/>
+              </a:spcBef>
+              <a:buFont typeface="Arial" panose="020B0604020202020204" pitchFamily="34" charset="0"/>
+              <a:buChar char="•"/>
+            </a:pPr>
+            <a:endParaRPr lang="en-US" sz="1600" dirty="0"/>
+          </a:p>
+          <a:p>
+            <a:pPr marL="742950" lvl="1" indent="-285750" algn="just">
+              <a:lnSpc>
+                <a:spcPct val="90000"/>
+              </a:lnSpc>
+              <a:spcBef>
+                <a:spcPts val="400"/>
+              </a:spcBef>
+              <a:buFont typeface="Arial" panose="020B0604020202020204" pitchFamily="34" charset="0"/>
+              <a:buChar char="•"/>
+            </a:pPr>
+            <a:r>
+              <a:rPr lang="en-US" sz="1600" dirty="0"/>
+              <a:t>Understood the limitations of baseline models like Wiki-SQL and how advanced models solve real-world constraints.</a:t>
+            </a:r>
+          </a:p>
+          <a:p>
+            <a:pPr marL="742950" lvl="1" indent="-285750" algn="just">
+              <a:lnSpc>
+                <a:spcPct val="90000"/>
+              </a:lnSpc>
+              <a:spcBef>
+                <a:spcPts val="400"/>
+              </a:spcBef>
+              <a:buFont typeface="Arial" panose="020B0604020202020204" pitchFamily="34" charset="0"/>
+              <a:buChar char="•"/>
+            </a:pPr>
+            <a:endParaRPr lang="en-US" sz="1600" dirty="0"/>
+          </a:p>
+          <a:p>
+            <a:pPr marL="742950" lvl="1" indent="-285750" algn="just">
+              <a:lnSpc>
+                <a:spcPct val="90000"/>
+              </a:lnSpc>
+              <a:spcBef>
+                <a:spcPts val="400"/>
+              </a:spcBef>
+              <a:buFont typeface="Arial" panose="020B0604020202020204" pitchFamily="34" charset="0"/>
+              <a:buChar char="•"/>
+            </a:pPr>
+            <a:r>
+              <a:rPr lang="en-US" sz="1600" dirty="0"/>
+              <a:t>Learned to deploy LLMs locally with quantization to balance performance and resource usage.</a:t>
+            </a:r>
+          </a:p>
+          <a:p>
+            <a:pPr marL="742950" lvl="1" indent="-285750" algn="just">
+              <a:lnSpc>
+                <a:spcPct val="90000"/>
+              </a:lnSpc>
+              <a:spcBef>
+                <a:spcPts val="400"/>
+              </a:spcBef>
+              <a:buFont typeface="Arial" panose="020B0604020202020204" pitchFamily="34" charset="0"/>
+              <a:buChar char="•"/>
+            </a:pPr>
+            <a:endParaRPr lang="en-US" sz="1600" dirty="0"/>
+          </a:p>
+          <a:p>
+            <a:pPr marL="742950" lvl="1" indent="-285750" algn="just">
+              <a:lnSpc>
+                <a:spcPct val="90000"/>
+              </a:lnSpc>
+              <a:spcBef>
+                <a:spcPts val="400"/>
+              </a:spcBef>
+              <a:buFont typeface="Arial" panose="020B0604020202020204" pitchFamily="34" charset="0"/>
+              <a:buChar char="•"/>
+            </a:pPr>
+            <a:r>
+              <a:rPr lang="en-US" sz="1600" dirty="0"/>
+              <a:t>Implemented schema-aware prompt engineering and RAG, which significantly improved query relevance and reduced hallucinations.</a:t>
+            </a:r>
+          </a:p>
+          <a:p>
+            <a:pPr marL="742950" lvl="1" indent="-285750" algn="just">
+              <a:lnSpc>
+                <a:spcPct val="90000"/>
+              </a:lnSpc>
+              <a:spcBef>
+                <a:spcPts val="400"/>
+              </a:spcBef>
+              <a:buFont typeface="Arial" panose="020B0604020202020204" pitchFamily="34" charset="0"/>
+              <a:buChar char="•"/>
+            </a:pPr>
+            <a:endParaRPr lang="en-US" sz="1600" dirty="0"/>
+          </a:p>
+          <a:p>
+            <a:pPr marL="742950" lvl="1" indent="-285750" algn="just">
+              <a:lnSpc>
+                <a:spcPct val="90000"/>
+              </a:lnSpc>
+              <a:spcBef>
+                <a:spcPts val="400"/>
+              </a:spcBef>
+              <a:buFont typeface="Arial" panose="020B0604020202020204" pitchFamily="34" charset="0"/>
+              <a:buChar char="•"/>
+            </a:pPr>
+            <a:r>
+              <a:rPr lang="en-US" sz="1600" dirty="0"/>
+              <a:t>Developed a full-stack system with Stream lit (frontend) and FastAPI (backend) for real-time interaction.</a:t>
+            </a:r>
+          </a:p>
+          <a:p>
+            <a:pPr marL="742950" lvl="1" indent="-285750" algn="just">
+              <a:lnSpc>
+                <a:spcPct val="90000"/>
+              </a:lnSpc>
+              <a:spcBef>
+                <a:spcPts val="400"/>
+              </a:spcBef>
+              <a:buFont typeface="Arial" panose="020B0604020202020204" pitchFamily="34" charset="0"/>
+              <a:buChar char="•"/>
+            </a:pPr>
+            <a:endParaRPr lang="en-US" sz="1600" dirty="0"/>
+          </a:p>
+          <a:p>
+            <a:pPr marL="742950" lvl="1" indent="-285750" algn="just">
+              <a:lnSpc>
+                <a:spcPct val="90000"/>
+              </a:lnSpc>
+              <a:spcBef>
+                <a:spcPts val="400"/>
+              </a:spcBef>
+              <a:buFont typeface="Arial" panose="020B0604020202020204" pitchFamily="34" charset="0"/>
+              <a:buChar char="•"/>
+            </a:pPr>
+            <a:r>
+              <a:rPr lang="en-US" sz="1600" dirty="0"/>
+              <a:t>Realized the importance of Chain-of-Thought reasoning in improving model explainability and trustworthiness.</a:t>
+            </a:r>
+          </a:p>
+          <a:p>
+            <a:pPr marL="742950" lvl="1" indent="-285750" algn="just">
+              <a:lnSpc>
+                <a:spcPct val="90000"/>
+              </a:lnSpc>
+              <a:spcBef>
+                <a:spcPts val="400"/>
+              </a:spcBef>
+              <a:buFont typeface="Arial" panose="020B0604020202020204" pitchFamily="34" charset="0"/>
+              <a:buChar char="•"/>
+            </a:pPr>
+            <a:endParaRPr lang="en-US" sz="1600" dirty="0"/>
+          </a:p>
+          <a:p>
+            <a:pPr marL="742950" lvl="1" indent="-285750" algn="just">
+              <a:lnSpc>
+                <a:spcPct val="90000"/>
+              </a:lnSpc>
+              <a:spcBef>
+                <a:spcPts val="400"/>
+              </a:spcBef>
+              <a:buFont typeface="Arial" panose="020B0604020202020204" pitchFamily="34" charset="0"/>
+              <a:buChar char="•"/>
+            </a:pPr>
+            <a:r>
+              <a:rPr lang="en-US" sz="1600" dirty="0"/>
+              <a:t>Improved collaboration and project planning skills through phased development, model comparison, and iterative improvements.</a:t>
+            </a:r>
+          </a:p>
+        </p:txBody>
+      </p:sp>
+      <p:pic>
+        <p:nvPicPr>
+          <p:cNvPr id="2" name="Picture 1" descr="icons8-key-50"/>
+          <p:cNvPicPr>
+            <a:picLocks noChangeAspect="1"/>
+          </p:cNvPicPr>
+          <p:nvPr/>
+        </p:nvPicPr>
+        <p:blipFill>
+          <a:blip r:embed="rId2"/>
+          <a:stretch>
+            <a:fillRect/>
+          </a:stretch>
+        </p:blipFill>
+        <p:spPr>
+          <a:xfrm>
+            <a:off x="673502" y="1084775"/>
+            <a:ext cx="285750" cy="211455"/>
+          </a:xfrm>
+          <a:prstGeom prst="rect">
+            <a:avLst/>
+          </a:prstGeom>
+        </p:spPr>
+      </p:pic>
+    </p:spTree>
+  </p:cSld>
+  <p:clrMapOvr>
+    <a:masterClrMapping/>
+  </p:clrMapOvr>
+  <mc:AlternateContent xmlns:mc="http://schemas.openxmlformats.org/markup-compatibility/2006" xmlns:p14="http://schemas.microsoft.com/office/powerpoint/2010/main">
+    <mc:Choice Requires="p14">
+      <p:transition spd="med" p14:dur="700">
+        <p:fade/>
+      </p:transition>
+    </mc:Choice>
+    <mc:Fallback xmlns="">
+      <p:transition spd="med">
+        <p:fade/>
+      </p:transition>
+    </mc:Fallback>
+  </mc:AlternateContent>
+</p:sld>
+</file>
+
+<file path=ppt/slides/slide13.xml><?xml version="1.0" encoding="utf-8"?>
+<p:sld xmlns:a="http://schemas.openxmlformats.org/drawingml/2006/main" xmlns:r="http://schemas.openxmlformats.org/officeDocument/2006/relationships" xmlns:p="http://schemas.openxmlformats.org/presentationml/2006/main">
+  <p:cSld>
+    <p:spTree>
+      <p:nvGrpSpPr>
+        <p:cNvPr id="1" name=""/>
+        <p:cNvGrpSpPr/>
+        <p:nvPr/>
+      </p:nvGrpSpPr>
+      <p:grpSpPr>
+        <a:xfrm>
+          <a:off x="0" y="0"/>
+          <a:ext cx="0" cy="0"/>
+          <a:chOff x="0" y="0"/>
+          <a:chExt cx="0" cy="0"/>
+        </a:xfrm>
+      </p:grpSpPr>
+      <p:sp>
+        <p:nvSpPr>
+          <p:cNvPr id="4" name="Title 4"/>
+          <p:cNvSpPr txBox="1"/>
+          <p:nvPr/>
+        </p:nvSpPr>
+        <p:spPr>
+          <a:xfrm>
+            <a:off x="232198" y="265558"/>
+            <a:ext cx="11423555" cy="300880"/>
+          </a:xfrm>
+          <a:prstGeom prst="rect">
+            <a:avLst/>
+          </a:prstGeom>
+        </p:spPr>
+        <p:txBody>
+          <a:bodyPr anchor="t" anchorCtr="0"/>
+          <a:lstStyle>
+            <a:lvl1pPr algn="l" defTabSz="914400" rtl="0" eaLnBrk="1" latinLnBrk="0" hangingPunct="1">
+              <a:lnSpc>
+                <a:spcPct val="80000"/>
+              </a:lnSpc>
+              <a:spcBef>
+                <a:spcPct val="0"/>
+              </a:spcBef>
+              <a:buNone/>
+              <a:defRPr sz="4400" b="0" kern="1200" cap="all" baseline="0">
+                <a:solidFill>
+                  <a:sysClr val="windowText" lastClr="000000"/>
+                </a:solidFill>
+                <a:latin typeface="MetricHPE Black" panose="020B0803030202060203" pitchFamily="34" charset="0"/>
+                <a:ea typeface="+mj-ea"/>
+                <a:cs typeface="+mj-cs"/>
+              </a:defRPr>
+            </a:lvl1pPr>
+          </a:lstStyle>
+          <a:p>
+            <a:pPr lvl="0">
+              <a:defRPr/>
+            </a:pPr>
+            <a:r>
+              <a:rPr lang="en-US" sz="2400" dirty="0"/>
+              <a:t>Text-2-SQL, Text-2-PL/SQL code generation and execution</a:t>
+            </a:r>
+            <a:endParaRPr kumimoji="0" lang="en-US" sz="2400" b="0" i="0" u="none" strike="noStrike" kern="1200" cap="all" spc="0" normalizeH="0" baseline="0" noProof="0" dirty="0">
+              <a:ln>
+                <a:noFill/>
+              </a:ln>
+              <a:solidFill>
+                <a:sysClr val="windowText" lastClr="000000"/>
+              </a:solidFill>
+              <a:effectLst/>
+              <a:uLnTx/>
+              <a:uFillTx/>
+              <a:latin typeface="MetricHPE Black" panose="020B0803030202060203" pitchFamily="34" charset="0"/>
+              <a:ea typeface="+mj-ea"/>
+              <a:cs typeface="+mj-cs"/>
+            </a:endParaRPr>
+          </a:p>
+        </p:txBody>
+      </p:sp>
+      <p:sp>
+        <p:nvSpPr>
+          <p:cNvPr id="12" name="Text Placeholder 7"/>
+          <p:cNvSpPr txBox="1"/>
+          <p:nvPr/>
+        </p:nvSpPr>
+        <p:spPr>
+          <a:xfrm>
+            <a:off x="570880" y="985520"/>
             <a:ext cx="11232000" cy="5040000"/>
           </a:xfrm>
           <a:prstGeom prst="rect">
@@ -23231,7 +24671,7 @@
 </p:sld>
 </file>
 
-<file path=ppt/slides/slide13.xml><?xml version="1.0" encoding="utf-8"?>
+<file path=ppt/slides/slide14.xml><?xml version="1.0" encoding="utf-8"?>
 <p:sld xmlns:a="http://schemas.openxmlformats.org/drawingml/2006/main" xmlns:r="http://schemas.openxmlformats.org/officeDocument/2006/relationships" xmlns:p="http://schemas.openxmlformats.org/presentationml/2006/main">
   <p:cSld>
     <p:spTree>
@@ -23250,13 +24690,7 @@
       </p:grpSpPr>
       <p:sp>
         <p:nvSpPr>
-          <p:cNvPr id="2" name="Title 1">
-            <a:extLst>
-              <a:ext uri="{FF2B5EF4-FFF2-40B4-BE49-F238E27FC236}">
-                <a16:creationId xmlns:a16="http://schemas.microsoft.com/office/drawing/2014/main" id="{ED30B53D-3689-65F4-10A5-023238C9B932}"/>
-              </a:ext>
-            </a:extLst>
-          </p:cNvPr>
+          <p:cNvPr id="2" name="Title 1"/>
           <p:cNvSpPr>
             <a:spLocks noGrp="1"/>
           </p:cNvSpPr>
@@ -23277,11 +24711,6 @@
         </p:txBody>
       </p:sp>
     </p:spTree>
-    <p:extLst>
-      <p:ext uri="{BB962C8B-B14F-4D97-AF65-F5344CB8AC3E}">
-        <p14:creationId xmlns:p14="http://schemas.microsoft.com/office/powerpoint/2010/main" val="4228917169"/>
-      </p:ext>
-    </p:extLst>
   </p:cSld>
   <p:clrMapOvr>
     <a:masterClrMapping/>
@@ -28402,13 +29831,7 @@
       </p:pic>
       <p:sp>
         <p:nvSpPr>
-          <p:cNvPr id="6" name="Text Placeholder 7">
-            <a:extLst>
-              <a:ext uri="{FF2B5EF4-FFF2-40B4-BE49-F238E27FC236}">
-                <a16:creationId xmlns:a16="http://schemas.microsoft.com/office/drawing/2014/main" id="{830E3990-4E45-D149-C9D9-ECDBED8604CC}"/>
-              </a:ext>
-            </a:extLst>
-          </p:cNvPr>
+          <p:cNvPr id="6" name="Text Placeholder 7"/>
           <p:cNvSpPr txBox="1"/>
           <p:nvPr/>
         </p:nvSpPr>
@@ -28630,13 +30053,7 @@
       </p:sp>
       <p:sp>
         <p:nvSpPr>
-          <p:cNvPr id="8" name="Text Box 2">
-            <a:extLst>
-              <a:ext uri="{FF2B5EF4-FFF2-40B4-BE49-F238E27FC236}">
-                <a16:creationId xmlns:a16="http://schemas.microsoft.com/office/drawing/2014/main" id="{85932DD3-1259-8D30-1E1C-3F982CF19D27}"/>
-              </a:ext>
-            </a:extLst>
-          </p:cNvPr>
+          <p:cNvPr id="8" name="Text Box 2"/>
           <p:cNvSpPr txBox="1"/>
           <p:nvPr/>
         </p:nvSpPr>
@@ -28704,13 +30121,7 @@
   <p:cSld>
     <p:spTree>
       <p:nvGrpSpPr>
-        <p:cNvPr id="1" name="">
-          <a:extLst>
-            <a:ext uri="{FF2B5EF4-FFF2-40B4-BE49-F238E27FC236}">
-              <a16:creationId xmlns:a16="http://schemas.microsoft.com/office/drawing/2014/main" id="{BC614D81-00F3-0F63-5070-4E7E3B1892FA}"/>
-            </a:ext>
-          </a:extLst>
-        </p:cNvPr>
+        <p:cNvPr id="1" name=""/>
         <p:cNvGrpSpPr/>
         <p:nvPr/>
       </p:nvGrpSpPr>
@@ -28724,13 +30135,7 @@
       </p:grpSpPr>
       <p:sp>
         <p:nvSpPr>
-          <p:cNvPr id="4" name="Title 4">
-            <a:extLst>
-              <a:ext uri="{FF2B5EF4-FFF2-40B4-BE49-F238E27FC236}">
-                <a16:creationId xmlns:a16="http://schemas.microsoft.com/office/drawing/2014/main" id="{96BBBE22-5111-7373-9B37-3E4D42BF2335}"/>
-              </a:ext>
-            </a:extLst>
-          </p:cNvPr>
+          <p:cNvPr id="4" name="Title 4"/>
           <p:cNvSpPr txBox="1"/>
           <p:nvPr/>
         </p:nvSpPr>
@@ -28791,13 +30196,7 @@
       </p:sp>
       <p:sp>
         <p:nvSpPr>
-          <p:cNvPr id="12" name="Text Placeholder 7">
-            <a:extLst>
-              <a:ext uri="{FF2B5EF4-FFF2-40B4-BE49-F238E27FC236}">
-                <a16:creationId xmlns:a16="http://schemas.microsoft.com/office/drawing/2014/main" id="{941177F6-4C8F-FFAD-0DE9-8B5A61745176}"/>
-              </a:ext>
-            </a:extLst>
-          </p:cNvPr>
+          <p:cNvPr id="12" name="Text Placeholder 7"/>
           <p:cNvSpPr txBox="1"/>
           <p:nvPr/>
         </p:nvSpPr>
@@ -29019,13 +30418,7 @@
       </p:sp>
       <p:sp>
         <p:nvSpPr>
-          <p:cNvPr id="6" name="Text Placeholder 7">
-            <a:extLst>
-              <a:ext uri="{FF2B5EF4-FFF2-40B4-BE49-F238E27FC236}">
-                <a16:creationId xmlns:a16="http://schemas.microsoft.com/office/drawing/2014/main" id="{DD287CAF-BF71-8FD6-987B-1203E537B723}"/>
-              </a:ext>
-            </a:extLst>
-          </p:cNvPr>
+          <p:cNvPr id="6" name="Text Placeholder 7"/>
           <p:cNvSpPr txBox="1"/>
           <p:nvPr/>
         </p:nvSpPr>
@@ -29247,13 +30640,7 @@
       </p:sp>
       <p:pic>
         <p:nvPicPr>
-          <p:cNvPr id="9" name="Picture 8">
-            <a:extLst>
-              <a:ext uri="{FF2B5EF4-FFF2-40B4-BE49-F238E27FC236}">
-                <a16:creationId xmlns:a16="http://schemas.microsoft.com/office/drawing/2014/main" id="{4C90761C-010C-6766-7111-F29DE0A28D9A}"/>
-              </a:ext>
-            </a:extLst>
-          </p:cNvPr>
+          <p:cNvPr id="9" name="Picture 8"/>
           <p:cNvPicPr>
             <a:picLocks noChangeAspect="1"/>
           </p:cNvPicPr>
@@ -29283,13 +30670,7 @@
       </p:pic>
       <p:pic>
         <p:nvPicPr>
-          <p:cNvPr id="13" name="Picture 12">
-            <a:extLst>
-              <a:ext uri="{FF2B5EF4-FFF2-40B4-BE49-F238E27FC236}">
-                <a16:creationId xmlns:a16="http://schemas.microsoft.com/office/drawing/2014/main" id="{104A4880-4A17-AA53-7BAC-98CE5C92474F}"/>
-              </a:ext>
-            </a:extLst>
-          </p:cNvPr>
+          <p:cNvPr id="13" name="Picture 12"/>
           <p:cNvPicPr>
             <a:picLocks noChangeAspect="1"/>
           </p:cNvPicPr>
@@ -29319,13 +30700,7 @@
       </p:pic>
       <p:pic>
         <p:nvPicPr>
-          <p:cNvPr id="16" name="Picture 15">
-            <a:extLst>
-              <a:ext uri="{FF2B5EF4-FFF2-40B4-BE49-F238E27FC236}">
-                <a16:creationId xmlns:a16="http://schemas.microsoft.com/office/drawing/2014/main" id="{74EF4C22-D494-2E53-F455-2F83A497C9DE}"/>
-              </a:ext>
-            </a:extLst>
-          </p:cNvPr>
+          <p:cNvPr id="16" name="Picture 15"/>
           <p:cNvPicPr>
             <a:picLocks noChangeAspect="1"/>
           </p:cNvPicPr>
@@ -29355,13 +30730,7 @@
       </p:pic>
       <p:sp>
         <p:nvSpPr>
-          <p:cNvPr id="18" name="Text Box 2">
-            <a:extLst>
-              <a:ext uri="{FF2B5EF4-FFF2-40B4-BE49-F238E27FC236}">
-                <a16:creationId xmlns:a16="http://schemas.microsoft.com/office/drawing/2014/main" id="{8ECFE983-6AAA-82B8-AEC1-8A787954D1B3}"/>
-              </a:ext>
-            </a:extLst>
-          </p:cNvPr>
+          <p:cNvPr id="18" name="Text Box 2"/>
           <p:cNvSpPr txBox="1"/>
           <p:nvPr/>
         </p:nvSpPr>
@@ -29405,11 +30774,6 @@
         </p:txBody>
       </p:sp>
     </p:spTree>
-    <p:extLst>
-      <p:ext uri="{BB962C8B-B14F-4D97-AF65-F5344CB8AC3E}">
-        <p14:creationId xmlns:p14="http://schemas.microsoft.com/office/powerpoint/2010/main" val="1619875176"/>
-      </p:ext>
-    </p:extLst>
   </p:cSld>
   <p:clrMapOvr>
     <a:masterClrMapping/>
@@ -29454,11 +30818,6 @@
             <p:custDataLst>
               <p:tags r:id="rId1"/>
             </p:custDataLst>
-            <p:extLst>
-              <p:ext uri="{D42A27DB-BD31-4B8C-83A1-F6EECF244321}">
-                <p14:modId xmlns:p14="http://schemas.microsoft.com/office/powerpoint/2010/main" val="2727642521"/>
-              </p:ext>
-            </p:extLst>
           </p:nvPr>
         </p:nvGraphicFramePr>
         <p:xfrm>
@@ -30507,13 +31866,7 @@
       </p:sp>
       <p:sp>
         <p:nvSpPr>
-          <p:cNvPr id="7" name="Title 4">
-            <a:extLst>
-              <a:ext uri="{FF2B5EF4-FFF2-40B4-BE49-F238E27FC236}">
-                <a16:creationId xmlns:a16="http://schemas.microsoft.com/office/drawing/2014/main" id="{0DD858B8-B216-FD66-9EFE-181D20ADE081}"/>
-              </a:ext>
-            </a:extLst>
-          </p:cNvPr>
+          <p:cNvPr id="7" name="Title 4"/>
           <p:cNvSpPr txBox="1"/>
           <p:nvPr/>
         </p:nvSpPr>
@@ -30574,13 +31927,7 @@
       </p:sp>
       <p:sp>
         <p:nvSpPr>
-          <p:cNvPr id="8" name="Text Placeholder 7">
-            <a:extLst>
-              <a:ext uri="{FF2B5EF4-FFF2-40B4-BE49-F238E27FC236}">
-                <a16:creationId xmlns:a16="http://schemas.microsoft.com/office/drawing/2014/main" id="{A0F39015-678C-D827-F10C-F729EB81304A}"/>
-              </a:ext>
-            </a:extLst>
-          </p:cNvPr>
+          <p:cNvPr id="8" name="Text Placeholder 7"/>
           <p:cNvSpPr txBox="1"/>
           <p:nvPr/>
         </p:nvSpPr>
@@ -30839,13 +32186,7 @@
       </p:grpSpPr>
       <p:sp>
         <p:nvSpPr>
-          <p:cNvPr id="2" name="Text Placeholder 1">
-            <a:extLst>
-              <a:ext uri="{FF2B5EF4-FFF2-40B4-BE49-F238E27FC236}">
-                <a16:creationId xmlns:a16="http://schemas.microsoft.com/office/drawing/2014/main" id="{65C20B7C-8398-97A2-99E2-7FCFE5BD3272}"/>
-              </a:ext>
-            </a:extLst>
-          </p:cNvPr>
+          <p:cNvPr id="2" name="Text Placeholder 1"/>
           <p:cNvSpPr>
             <a:spLocks noGrp="1"/>
           </p:cNvSpPr>
@@ -31093,13 +32434,7 @@
       </p:pic>
       <p:sp>
         <p:nvSpPr>
-          <p:cNvPr id="9" name="Title 4">
-            <a:extLst>
-              <a:ext uri="{FF2B5EF4-FFF2-40B4-BE49-F238E27FC236}">
-                <a16:creationId xmlns:a16="http://schemas.microsoft.com/office/drawing/2014/main" id="{DC03ADA5-75B5-7A9F-6A58-94CF5FDEE75B}"/>
-              </a:ext>
-            </a:extLst>
-          </p:cNvPr>
+          <p:cNvPr id="9" name="Title 4"/>
           <p:cNvSpPr txBox="1"/>
           <p:nvPr/>
         </p:nvSpPr>
@@ -31160,13 +32495,7 @@
       </p:sp>
       <p:sp>
         <p:nvSpPr>
-          <p:cNvPr id="11" name="Rectangle 10">
-            <a:extLst>
-              <a:ext uri="{FF2B5EF4-FFF2-40B4-BE49-F238E27FC236}">
-                <a16:creationId xmlns:a16="http://schemas.microsoft.com/office/drawing/2014/main" id="{4511AD84-1D2F-CD39-C50B-FA9B2118793F}"/>
-              </a:ext>
-            </a:extLst>
-          </p:cNvPr>
+          <p:cNvPr id="11" name="Rectangle 10"/>
           <p:cNvSpPr/>
           <p:nvPr/>
         </p:nvSpPr>
@@ -31216,12 +32545,451 @@
           </a:p>
         </p:txBody>
       </p:sp>
+      <p:sp>
+        <p:nvSpPr>
+          <p:cNvPr id="3" name="TextBox 2"/>
+          <p:cNvSpPr txBox="1"/>
+          <p:nvPr/>
+        </p:nvSpPr>
+        <p:spPr>
+          <a:xfrm>
+            <a:off x="6512767" y="2971795"/>
+            <a:ext cx="4879910" cy="2628000"/>
+          </a:xfrm>
+          <a:prstGeom prst="rect">
+            <a:avLst/>
+          </a:prstGeom>
+          <a:noFill/>
+          <a:ln w="57150">
+            <a:noFill/>
+            <a:miter lim="800000"/>
+          </a:ln>
+        </p:spPr>
+        <p:txBody>
+          <a:bodyPr wrap="square" lIns="91440" tIns="91440" rIns="91440" bIns="91440" rtlCol="0">
+            <a:spAutoFit/>
+          </a:bodyPr>
+          <a:lstStyle/>
+          <a:p>
+            <a:pPr algn="l">
+              <a:lnSpc>
+                <a:spcPct val="90000"/>
+              </a:lnSpc>
+              <a:spcBef>
+                <a:spcPts val="400"/>
+              </a:spcBef>
+            </a:pPr>
+            <a:endParaRPr lang="en-IN" dirty="0"/>
+          </a:p>
+          <a:p>
+            <a:pPr algn="l">
+              <a:lnSpc>
+                <a:spcPct val="90000"/>
+              </a:lnSpc>
+              <a:spcBef>
+                <a:spcPts val="400"/>
+              </a:spcBef>
+            </a:pPr>
+            <a:endParaRPr lang="en-IN" dirty="0"/>
+          </a:p>
+          <a:p>
+            <a:pPr algn="l">
+              <a:lnSpc>
+                <a:spcPct val="90000"/>
+              </a:lnSpc>
+              <a:spcBef>
+                <a:spcPts val="400"/>
+              </a:spcBef>
+            </a:pPr>
+            <a:endParaRPr lang="en-IN" dirty="0"/>
+          </a:p>
+          <a:p>
+            <a:pPr algn="l">
+              <a:lnSpc>
+                <a:spcPct val="90000"/>
+              </a:lnSpc>
+              <a:spcBef>
+                <a:spcPts val="400"/>
+              </a:spcBef>
+            </a:pPr>
+            <a:endParaRPr lang="en-IN" dirty="0"/>
+          </a:p>
+          <a:p>
+            <a:pPr>
+              <a:lnSpc>
+                <a:spcPct val="90000"/>
+              </a:lnSpc>
+              <a:spcBef>
+                <a:spcPts val="400"/>
+              </a:spcBef>
+            </a:pPr>
+            <a:r>
+              <a:rPr lang="en-IN" dirty="0"/>
+              <a:t>		</a:t>
+            </a:r>
+            <a:r>
+              <a:rPr lang="en-IN" b="1" dirty="0"/>
+              <a:t> Use Cases</a:t>
+            </a:r>
+            <a:endParaRPr lang="en-IN" dirty="0"/>
+          </a:p>
+        </p:txBody>
+      </p:sp>
+      <p:pic>
+        <p:nvPicPr>
+          <p:cNvPr id="10" name="Picture 9"/>
+          <p:cNvPicPr>
+            <a:picLocks noChangeAspect="1"/>
+          </p:cNvPicPr>
+          <p:nvPr/>
+        </p:nvPicPr>
+        <p:blipFill>
+          <a:blip r:embed="rId4" cstate="print">
+            <a:extLst>
+              <a:ext uri="{28A0092B-C50C-407E-A947-70E740481C1C}">
+                <a14:useLocalDpi xmlns:a14="http://schemas.microsoft.com/office/drawing/2010/main" val="0"/>
+              </a:ext>
+            </a:extLst>
+          </a:blip>
+          <a:stretch>
+            <a:fillRect/>
+          </a:stretch>
+        </p:blipFill>
+        <p:spPr>
+          <a:xfrm>
+            <a:off x="8732581" y="3789968"/>
+            <a:ext cx="440281" cy="468884"/>
+          </a:xfrm>
+          <a:prstGeom prst="rect">
+            <a:avLst/>
+          </a:prstGeom>
+        </p:spPr>
+      </p:pic>
+      <p:cxnSp>
+        <p:nvCxnSpPr>
+          <p:cNvPr id="13" name="Straight Arrow Connector 12"/>
+          <p:cNvCxnSpPr/>
+          <p:nvPr/>
+        </p:nvCxnSpPr>
+        <p:spPr>
+          <a:xfrm flipH="1" flipV="1">
+            <a:off x="7819052" y="3630673"/>
+            <a:ext cx="540000" cy="288000"/>
+          </a:xfrm>
+          <a:prstGeom prst="straightConnector1">
+            <a:avLst/>
+          </a:prstGeom>
+          <a:ln w="57150">
+            <a:solidFill>
+              <a:schemeClr val="bg2">
+                <a:lumMod val="75000"/>
+              </a:schemeClr>
+            </a:solidFill>
+            <a:tailEnd type="triangle"/>
+          </a:ln>
+        </p:spPr>
+        <p:style>
+          <a:lnRef idx="1">
+            <a:schemeClr val="accent1"/>
+          </a:lnRef>
+          <a:fillRef idx="0">
+            <a:schemeClr val="accent1"/>
+          </a:fillRef>
+          <a:effectRef idx="0">
+            <a:schemeClr val="accent1"/>
+          </a:effectRef>
+          <a:fontRef idx="minor">
+            <a:schemeClr val="tx1"/>
+          </a:fontRef>
+        </p:style>
+      </p:cxnSp>
+      <p:cxnSp>
+        <p:nvCxnSpPr>
+          <p:cNvPr id="15" name="Straight Arrow Connector 14"/>
+          <p:cNvCxnSpPr/>
+          <p:nvPr/>
+        </p:nvCxnSpPr>
+        <p:spPr>
+          <a:xfrm flipV="1">
+            <a:off x="9404081" y="3552401"/>
+            <a:ext cx="540000" cy="288000"/>
+          </a:xfrm>
+          <a:prstGeom prst="straightConnector1">
+            <a:avLst/>
+          </a:prstGeom>
+          <a:ln w="57150">
+            <a:solidFill>
+              <a:schemeClr val="bg2">
+                <a:lumMod val="75000"/>
+              </a:schemeClr>
+            </a:solidFill>
+            <a:tailEnd type="triangle"/>
+          </a:ln>
+        </p:spPr>
+        <p:style>
+          <a:lnRef idx="1">
+            <a:schemeClr val="accent1"/>
+          </a:lnRef>
+          <a:fillRef idx="0">
+            <a:schemeClr val="accent1"/>
+          </a:fillRef>
+          <a:effectRef idx="0">
+            <a:schemeClr val="accent1"/>
+          </a:effectRef>
+          <a:fontRef idx="minor">
+            <a:schemeClr val="tx1"/>
+          </a:fontRef>
+        </p:style>
+      </p:cxnSp>
+      <p:cxnSp>
+        <p:nvCxnSpPr>
+          <p:cNvPr id="17" name="Straight Arrow Connector 16"/>
+          <p:cNvCxnSpPr/>
+          <p:nvPr/>
+        </p:nvCxnSpPr>
+        <p:spPr>
+          <a:xfrm flipH="1">
+            <a:off x="7819052" y="4577551"/>
+            <a:ext cx="540000" cy="288000"/>
+          </a:xfrm>
+          <a:prstGeom prst="straightConnector1">
+            <a:avLst/>
+          </a:prstGeom>
+          <a:ln w="57150">
+            <a:solidFill>
+              <a:schemeClr val="bg2">
+                <a:lumMod val="75000"/>
+              </a:schemeClr>
+            </a:solidFill>
+            <a:tailEnd type="triangle"/>
+          </a:ln>
+        </p:spPr>
+        <p:style>
+          <a:lnRef idx="1">
+            <a:schemeClr val="accent1"/>
+          </a:lnRef>
+          <a:fillRef idx="0">
+            <a:schemeClr val="accent1"/>
+          </a:fillRef>
+          <a:effectRef idx="0">
+            <a:schemeClr val="accent1"/>
+          </a:effectRef>
+          <a:fontRef idx="minor">
+            <a:schemeClr val="tx1"/>
+          </a:fontRef>
+        </p:style>
+      </p:cxnSp>
+      <p:cxnSp>
+        <p:nvCxnSpPr>
+          <p:cNvPr id="18" name="Straight Arrow Connector 17"/>
+          <p:cNvCxnSpPr/>
+          <p:nvPr/>
+        </p:nvCxnSpPr>
+        <p:spPr>
+          <a:xfrm>
+            <a:off x="9404081" y="4577551"/>
+            <a:ext cx="540000" cy="288000"/>
+          </a:xfrm>
+          <a:prstGeom prst="straightConnector1">
+            <a:avLst/>
+          </a:prstGeom>
+          <a:ln w="57150">
+            <a:solidFill>
+              <a:schemeClr val="bg2">
+                <a:lumMod val="75000"/>
+              </a:schemeClr>
+            </a:solidFill>
+            <a:tailEnd type="triangle"/>
+          </a:ln>
+        </p:spPr>
+        <p:style>
+          <a:lnRef idx="1">
+            <a:schemeClr val="accent1"/>
+          </a:lnRef>
+          <a:fillRef idx="0">
+            <a:schemeClr val="accent1"/>
+          </a:fillRef>
+          <a:effectRef idx="0">
+            <a:schemeClr val="accent1"/>
+          </a:effectRef>
+          <a:fontRef idx="minor">
+            <a:schemeClr val="tx1"/>
+          </a:fontRef>
+        </p:style>
+      </p:cxnSp>
+      <p:sp>
+        <p:nvSpPr>
+          <p:cNvPr id="21" name="TextBox 20"/>
+          <p:cNvSpPr txBox="1"/>
+          <p:nvPr/>
+        </p:nvSpPr>
+        <p:spPr>
+          <a:xfrm>
+            <a:off x="10074710" y="3079322"/>
+            <a:ext cx="1440000" cy="900000"/>
+          </a:xfrm>
+          <a:prstGeom prst="rect">
+            <a:avLst/>
+          </a:prstGeom>
+          <a:noFill/>
+          <a:ln w="57150">
+            <a:solidFill>
+              <a:srgbClr val="808285"/>
+            </a:solidFill>
+            <a:miter lim="800000"/>
+          </a:ln>
+        </p:spPr>
+        <p:txBody>
+          <a:bodyPr wrap="square" lIns="91440" tIns="91440" rIns="91440" bIns="91440" rtlCol="0">
+            <a:spAutoFit/>
+          </a:bodyPr>
+          <a:lstStyle/>
+          <a:p>
+            <a:pPr algn="l">
+              <a:lnSpc>
+                <a:spcPct val="90000"/>
+              </a:lnSpc>
+              <a:spcBef>
+                <a:spcPts val="400"/>
+              </a:spcBef>
+            </a:pPr>
+            <a:r>
+              <a:rPr lang="en-IN" sz="1600" dirty="0"/>
+              <a:t>Self-service analytics for business teams</a:t>
+            </a:r>
+          </a:p>
+        </p:txBody>
+      </p:sp>
+      <p:sp>
+        <p:nvSpPr>
+          <p:cNvPr id="22" name="TextBox 21"/>
+          <p:cNvSpPr txBox="1"/>
+          <p:nvPr/>
+        </p:nvSpPr>
+        <p:spPr>
+          <a:xfrm>
+            <a:off x="6248423" y="3118435"/>
+            <a:ext cx="1440000" cy="900000"/>
+          </a:xfrm>
+          <a:prstGeom prst="rect">
+            <a:avLst/>
+          </a:prstGeom>
+          <a:noFill/>
+          <a:ln w="57150">
+            <a:solidFill>
+              <a:srgbClr val="808285"/>
+            </a:solidFill>
+            <a:miter lim="800000"/>
+          </a:ln>
+        </p:spPr>
+        <p:txBody>
+          <a:bodyPr wrap="square" lIns="91440" tIns="91440" rIns="91440" bIns="91440" rtlCol="0">
+            <a:spAutoFit/>
+          </a:bodyPr>
+          <a:lstStyle/>
+          <a:p>
+            <a:pPr algn="l">
+              <a:lnSpc>
+                <a:spcPct val="90000"/>
+              </a:lnSpc>
+              <a:spcBef>
+                <a:spcPts val="400"/>
+              </a:spcBef>
+            </a:pPr>
+            <a:r>
+              <a:rPr lang="en-IN" sz="1600" dirty="0"/>
+              <a:t>Data Querying in Internal Dashboards</a:t>
+            </a:r>
+          </a:p>
+        </p:txBody>
+      </p:sp>
+      <p:sp>
+        <p:nvSpPr>
+          <p:cNvPr id="23" name="TextBox 22"/>
+          <p:cNvSpPr txBox="1"/>
+          <p:nvPr/>
+        </p:nvSpPr>
+        <p:spPr>
+          <a:xfrm>
+            <a:off x="6257019" y="4519759"/>
+            <a:ext cx="1440000" cy="900000"/>
+          </a:xfrm>
+          <a:prstGeom prst="rect">
+            <a:avLst/>
+          </a:prstGeom>
+          <a:noFill/>
+          <a:ln w="57150">
+            <a:solidFill>
+              <a:srgbClr val="808285"/>
+            </a:solidFill>
+            <a:miter lim="800000"/>
+          </a:ln>
+        </p:spPr>
+        <p:txBody>
+          <a:bodyPr wrap="square" lIns="91440" tIns="91440" rIns="91440" bIns="91440" rtlCol="0">
+            <a:spAutoFit/>
+          </a:bodyPr>
+          <a:lstStyle/>
+          <a:p>
+            <a:pPr>
+              <a:lnSpc>
+                <a:spcPct val="90000"/>
+              </a:lnSpc>
+              <a:spcBef>
+                <a:spcPts val="400"/>
+              </a:spcBef>
+            </a:pPr>
+            <a:r>
+              <a:rPr lang="en-IN" sz="1600" dirty="0"/>
+              <a:t>Education and Training Tools</a:t>
+            </a:r>
+          </a:p>
+        </p:txBody>
+      </p:sp>
+      <p:sp>
+        <p:nvSpPr>
+          <p:cNvPr id="24" name="TextBox 23"/>
+          <p:cNvSpPr txBox="1"/>
+          <p:nvPr/>
+        </p:nvSpPr>
+        <p:spPr>
+          <a:xfrm>
+            <a:off x="10074710" y="4469551"/>
+            <a:ext cx="1440000" cy="1080000"/>
+          </a:xfrm>
+          <a:prstGeom prst="rect">
+            <a:avLst/>
+          </a:prstGeom>
+          <a:noFill/>
+          <a:ln w="57150">
+            <a:solidFill>
+              <a:srgbClr val="808285"/>
+            </a:solidFill>
+            <a:miter lim="800000"/>
+          </a:ln>
+        </p:spPr>
+        <p:txBody>
+          <a:bodyPr wrap="square" lIns="91440" tIns="91440" rIns="91440" bIns="91440" rtlCol="0">
+            <a:spAutoFit/>
+          </a:bodyPr>
+          <a:lstStyle/>
+          <a:p>
+            <a:pPr>
+              <a:lnSpc>
+                <a:spcPct val="90000"/>
+              </a:lnSpc>
+              <a:spcBef>
+                <a:spcPts val="400"/>
+              </a:spcBef>
+            </a:pPr>
+            <a:r>
+              <a:rPr lang="en-IN" sz="1600" dirty="0"/>
+              <a:t>Customer Support &amp; Chatbot Assistants</a:t>
+            </a:r>
+          </a:p>
+        </p:txBody>
+      </p:sp>
     </p:spTree>
-    <p:extLst>
-      <p:ext uri="{BB962C8B-B14F-4D97-AF65-F5344CB8AC3E}">
-        <p14:creationId xmlns:p14="http://schemas.microsoft.com/office/powerpoint/2010/main" val="431084898"/>
-      </p:ext>
-    </p:extLst>
   </p:cSld>
   <p:clrMapOvr>
     <a:masterClrMapping/>
@@ -31251,6 +33019,13 @@
 <p:tagLst xmlns:a="http://schemas.openxmlformats.org/drawingml/2006/main" xmlns:r="http://schemas.openxmlformats.org/officeDocument/2006/relationships" xmlns:p="http://schemas.openxmlformats.org/presentationml/2006/main">
   <p:tag name="TABLE_ENDDRAG_ORIGIN_RECT" val="879*394"/>
   <p:tag name="TABLE_ENDDRAG_RECT" val="47*127*879*394"/>
+</p:tagLst>
+</file>
+
+<file path=ppt/tags/tag3.xml><?xml version="1.0" encoding="utf-8"?>
+<p:tagLst xmlns:a="http://schemas.openxmlformats.org/drawingml/2006/main" xmlns:r="http://schemas.openxmlformats.org/officeDocument/2006/relationships" xmlns:p="http://schemas.openxmlformats.org/presentationml/2006/main">
+  <p:tag name="TABLE_ENDDRAG_ORIGIN_RECT" val="869*408"/>
+  <p:tag name="TABLE_ENDDRAG_RECT" val="44*70*869*408"/>
 </p:tagLst>
 </file>
 
